--- a/Controlling car with hand motion.pptx
+++ b/Controlling car with hand motion.pptx
@@ -8,15 +8,16 @@
     <p:sldId id="256" r:id="rId2"/>
     <p:sldId id="257" r:id="rId3"/>
     <p:sldId id="258" r:id="rId4"/>
-    <p:sldId id="259" r:id="rId5"/>
-    <p:sldId id="260" r:id="rId6"/>
-    <p:sldId id="261" r:id="rId7"/>
-    <p:sldId id="262" r:id="rId8"/>
-    <p:sldId id="263" r:id="rId9"/>
-    <p:sldId id="264" r:id="rId10"/>
-    <p:sldId id="265" r:id="rId11"/>
-    <p:sldId id="266" r:id="rId12"/>
-    <p:sldId id="267" r:id="rId13"/>
+    <p:sldId id="268" r:id="rId5"/>
+    <p:sldId id="259" r:id="rId6"/>
+    <p:sldId id="260" r:id="rId7"/>
+    <p:sldId id="261" r:id="rId8"/>
+    <p:sldId id="262" r:id="rId9"/>
+    <p:sldId id="263" r:id="rId10"/>
+    <p:sldId id="264" r:id="rId11"/>
+    <p:sldId id="265" r:id="rId12"/>
+    <p:sldId id="266" r:id="rId13"/>
+    <p:sldId id="267" r:id="rId14"/>
   </p:sldIdLst>
   <p:sldSz cx="12192000" cy="6858000"/>
   <p:notesSz cx="6858000" cy="9144000"/>
@@ -115,6 +116,11 @@
       </a:defRPr>
     </a:lvl9pPr>
   </p:defaultTextStyle>
+  <p:extLst>
+    <p:ext uri="{EFAFB233-063F-42B5-8137-9DF3F51BA10A}">
+      <p15:sldGuideLst xmlns:p15="http://schemas.microsoft.com/office/powerpoint/2012/main"/>
+    </p:ext>
+  </p:extLst>
 </p:presentation>
 </file>
 
@@ -5734,7 +5740,7 @@
           <a:p>
             <a:fld id="{4A111823-A786-4D23-9093-BCB256E023EA}" type="datetimeFigureOut">
               <a:rPr lang="en-US" smtClean="0"/>
-              <a:t>8/8/2022</a:t>
+              <a:t>8/10/2022</a:t>
             </a:fld>
             <a:endParaRPr lang="en-US"/>
           </a:p>
@@ -6001,7 +6007,7 @@
           <a:p>
             <a:fld id="{4A111823-A786-4D23-9093-BCB256E023EA}" type="datetimeFigureOut">
               <a:rPr lang="en-US" smtClean="0"/>
-              <a:t>8/8/2022</a:t>
+              <a:t>8/10/2022</a:t>
             </a:fld>
             <a:endParaRPr lang="en-US"/>
           </a:p>
@@ -6197,7 +6203,7 @@
           <a:p>
             <a:fld id="{4A111823-A786-4D23-9093-BCB256E023EA}" type="datetimeFigureOut">
               <a:rPr lang="en-US" smtClean="0"/>
-              <a:t>8/8/2022</a:t>
+              <a:t>8/10/2022</a:t>
             </a:fld>
             <a:endParaRPr lang="en-US"/>
           </a:p>
@@ -6460,7 +6466,7 @@
           <a:p>
             <a:fld id="{4A111823-A786-4D23-9093-BCB256E023EA}" type="datetimeFigureOut">
               <a:rPr lang="en-US" smtClean="0"/>
-              <a:t>8/8/2022</a:t>
+              <a:t>8/10/2022</a:t>
             </a:fld>
             <a:endParaRPr lang="en-US"/>
           </a:p>
@@ -6894,7 +6900,7 @@
           <a:p>
             <a:fld id="{4A111823-A786-4D23-9093-BCB256E023EA}" type="datetimeFigureOut">
               <a:rPr lang="en-US" smtClean="0"/>
-              <a:t>8/8/2022</a:t>
+              <a:t>8/10/2022</a:t>
             </a:fld>
             <a:endParaRPr lang="en-US"/>
           </a:p>
@@ -7440,7 +7446,7 @@
           <a:p>
             <a:fld id="{4A111823-A786-4D23-9093-BCB256E023EA}" type="datetimeFigureOut">
               <a:rPr lang="en-US" smtClean="0"/>
-              <a:t>8/8/2022</a:t>
+              <a:t>8/10/2022</a:t>
             </a:fld>
             <a:endParaRPr lang="en-US"/>
           </a:p>
@@ -8160,7 +8166,7 @@
           <a:p>
             <a:fld id="{4A111823-A786-4D23-9093-BCB256E023EA}" type="datetimeFigureOut">
               <a:rPr lang="en-US" smtClean="0"/>
-              <a:t>8/8/2022</a:t>
+              <a:t>8/10/2022</a:t>
             </a:fld>
             <a:endParaRPr lang="en-US"/>
           </a:p>
@@ -8330,7 +8336,7 @@
           <a:p>
             <a:fld id="{4A111823-A786-4D23-9093-BCB256E023EA}" type="datetimeFigureOut">
               <a:rPr lang="en-US" smtClean="0"/>
-              <a:t>8/8/2022</a:t>
+              <a:t>8/10/2022</a:t>
             </a:fld>
             <a:endParaRPr lang="en-US"/>
           </a:p>
@@ -8510,7 +8516,7 @@
           <a:p>
             <a:fld id="{4A111823-A786-4D23-9093-BCB256E023EA}" type="datetimeFigureOut">
               <a:rPr lang="en-US" smtClean="0"/>
-              <a:t>8/8/2022</a:t>
+              <a:t>8/10/2022</a:t>
             </a:fld>
             <a:endParaRPr lang="en-US"/>
           </a:p>
@@ -8680,7 +8686,7 @@
           <a:p>
             <a:fld id="{4A111823-A786-4D23-9093-BCB256E023EA}" type="datetimeFigureOut">
               <a:rPr lang="en-US" smtClean="0"/>
-              <a:t>8/8/2022</a:t>
+              <a:t>8/10/2022</a:t>
             </a:fld>
             <a:endParaRPr lang="en-US"/>
           </a:p>
@@ -8930,7 +8936,7 @@
           <a:p>
             <a:fld id="{4A111823-A786-4D23-9093-BCB256E023EA}" type="datetimeFigureOut">
               <a:rPr lang="en-US" smtClean="0"/>
-              <a:t>8/8/2022</a:t>
+              <a:t>8/10/2022</a:t>
             </a:fld>
             <a:endParaRPr lang="en-US"/>
           </a:p>
@@ -9162,7 +9168,7 @@
           <a:p>
             <a:fld id="{4A111823-A786-4D23-9093-BCB256E023EA}" type="datetimeFigureOut">
               <a:rPr lang="en-US" smtClean="0"/>
-              <a:t>8/8/2022</a:t>
+              <a:t>8/10/2022</a:t>
             </a:fld>
             <a:endParaRPr lang="en-US"/>
           </a:p>
@@ -9543,7 +9549,7 @@
           <a:p>
             <a:fld id="{4A111823-A786-4D23-9093-BCB256E023EA}" type="datetimeFigureOut">
               <a:rPr lang="en-US" smtClean="0"/>
-              <a:t>8/8/2022</a:t>
+              <a:t>8/10/2022</a:t>
             </a:fld>
             <a:endParaRPr lang="en-US"/>
           </a:p>
@@ -9661,7 +9667,7 @@
           <a:p>
             <a:fld id="{4A111823-A786-4D23-9093-BCB256E023EA}" type="datetimeFigureOut">
               <a:rPr lang="en-US" smtClean="0"/>
-              <a:t>8/8/2022</a:t>
+              <a:t>8/10/2022</a:t>
             </a:fld>
             <a:endParaRPr lang="en-US"/>
           </a:p>
@@ -9756,7 +9762,7 @@
           <a:p>
             <a:fld id="{4A111823-A786-4D23-9093-BCB256E023EA}" type="datetimeFigureOut">
               <a:rPr lang="en-US" smtClean="0"/>
-              <a:t>8/8/2022</a:t>
+              <a:t>8/10/2022</a:t>
             </a:fld>
             <a:endParaRPr lang="en-US"/>
           </a:p>
@@ -10005,7 +10011,7 @@
           <a:p>
             <a:fld id="{4A111823-A786-4D23-9093-BCB256E023EA}" type="datetimeFigureOut">
               <a:rPr lang="en-US" smtClean="0"/>
-              <a:t>8/8/2022</a:t>
+              <a:t>8/10/2022</a:t>
             </a:fld>
             <a:endParaRPr lang="en-US"/>
           </a:p>
@@ -10285,7 +10291,7 @@
           <a:p>
             <a:fld id="{4A111823-A786-4D23-9093-BCB256E023EA}" type="datetimeFigureOut">
               <a:rPr lang="en-US" smtClean="0"/>
-              <a:t>8/8/2022</a:t>
+              <a:t>8/10/2022</a:t>
             </a:fld>
             <a:endParaRPr lang="en-US"/>
           </a:p>
@@ -13352,7 +13358,7 @@
           <a:p>
             <a:fld id="{4A111823-A786-4D23-9093-BCB256E023EA}" type="datetimeFigureOut">
               <a:rPr lang="en-US" smtClean="0"/>
-              <a:t>8/8/2022</a:t>
+              <a:t>8/10/2022</a:t>
             </a:fld>
             <a:endParaRPr lang="en-US"/>
           </a:p>
@@ -13794,7 +13800,7 @@
         </p:nvSpPr>
         <p:spPr>
           <a:xfrm>
-            <a:off x="3875774" y="322284"/>
+            <a:off x="3800359" y="322283"/>
             <a:ext cx="4440452" cy="1038719"/>
           </a:xfrm>
           <a:prstGeom prst="ellipse">
@@ -13898,42 +13904,6 @@
       </p:sp>
       <p:pic>
         <p:nvPicPr>
-          <p:cNvPr id="28" name="صورة 3">
-            <a:extLst>
-              <a:ext uri="{FF2B5EF4-FFF2-40B4-BE49-F238E27FC236}">
-                <a16:creationId xmlns:a16="http://schemas.microsoft.com/office/drawing/2014/main" id="{DBBBE120-3B21-3ED5-0019-BA80425536D0}"/>
-              </a:ext>
-            </a:extLst>
-          </p:cNvPr>
-          <p:cNvPicPr>
-            <a:picLocks noChangeAspect="1"/>
-          </p:cNvPicPr>
-          <p:nvPr/>
-        </p:nvPicPr>
-        <p:blipFill>
-          <a:blip r:embed="rId2">
-            <a:extLst>
-              <a:ext uri="{28A0092B-C50C-407E-A947-70E740481C1C}">
-                <a14:useLocalDpi xmlns:a14="http://schemas.microsoft.com/office/drawing/2010/main" val="0"/>
-              </a:ext>
-            </a:extLst>
-          </a:blip>
-          <a:stretch>
-            <a:fillRect/>
-          </a:stretch>
-        </p:blipFill>
-        <p:spPr>
-          <a:xfrm>
-            <a:off x="9533074" y="128432"/>
-            <a:ext cx="2465214" cy="908516"/>
-          </a:xfrm>
-          <a:prstGeom prst="rect">
-            <a:avLst/>
-          </a:prstGeom>
-        </p:spPr>
-      </p:pic>
-      <p:pic>
-        <p:nvPicPr>
           <p:cNvPr id="31" name="Picture 30" descr="A picture containing yellow&#10;&#10;Description automatically generated">
             <a:extLst>
               <a:ext uri="{FF2B5EF4-FFF2-40B4-BE49-F238E27FC236}">
@@ -13947,7 +13917,7 @@
           <p:nvPr/>
         </p:nvPicPr>
         <p:blipFill>
-          <a:blip r:embed="rId3">
+          <a:blip r:embed="rId2">
             <a:alphaModFix/>
             <a:extLst>
               <a:ext uri="{28A0092B-C50C-407E-A947-70E740481C1C}">
@@ -13961,7 +13931,7 @@
         </p:blipFill>
         <p:spPr>
           <a:xfrm>
-            <a:off x="6901011" y="1302273"/>
+            <a:off x="6363683" y="1655014"/>
             <a:ext cx="4762500" cy="4762500"/>
           </a:xfrm>
           <a:prstGeom prst="ellipse">
@@ -14016,12 +13986,12 @@
           <p:nvPr/>
         </p:nvPicPr>
         <p:blipFill>
-          <a:blip r:embed="rId4">
+          <a:blip r:embed="rId3">
             <a:alphaModFix/>
             <a:extLst>
               <a:ext uri="{BEBA8EAE-BF5A-486C-A8C5-ECC9F3942E4B}">
                 <a14:imgProps xmlns:a14="http://schemas.microsoft.com/office/drawing/2010/main">
-                  <a14:imgLayer r:embed="rId5">
+                  <a14:imgLayer r:embed="rId4">
                     <a14:imgEffect>
                       <a14:backgroundRemoval t="9778" b="99111" l="9778" r="89778">
                         <a14:foregroundMark x1="31556" y1="28000" x2="28000" y2="17778"/>
@@ -14052,7 +14022,7 @@
         </p:blipFill>
         <p:spPr>
           <a:xfrm>
-            <a:off x="2708046" y="2611961"/>
+            <a:off x="2170718" y="2964702"/>
             <a:ext cx="2143125" cy="2143125"/>
           </a:xfrm>
           <a:prstGeom prst="ellipse">
@@ -14106,7 +14076,7 @@
         </p:nvSpPr>
         <p:spPr>
           <a:xfrm rot="11246703" flipH="1">
-            <a:off x="3992575" y="5132230"/>
+            <a:off x="3455247" y="5484971"/>
             <a:ext cx="3200030" cy="846993"/>
           </a:xfrm>
           <a:prstGeom prst="curvedDownArrow">
@@ -14192,6 +14162,502 @@
 </file>
 
 <file path=ppt/slides/slide10.xml><?xml version="1.0" encoding="utf-8"?>
+<p:sld xmlns:a="http://schemas.openxmlformats.org/drawingml/2006/main" xmlns:r="http://schemas.openxmlformats.org/officeDocument/2006/relationships" xmlns:p="http://schemas.openxmlformats.org/presentationml/2006/main">
+  <p:cSld>
+    <p:spTree>
+      <p:nvGrpSpPr>
+        <p:cNvPr id="1" name=""/>
+        <p:cNvGrpSpPr/>
+        <p:nvPr/>
+      </p:nvGrpSpPr>
+      <p:grpSpPr>
+        <a:xfrm>
+          <a:off x="0" y="0"/>
+          <a:ext cx="0" cy="0"/>
+          <a:chOff x="0" y="0"/>
+          <a:chExt cx="0" cy="0"/>
+        </a:xfrm>
+      </p:grpSpPr>
+      <p:pic>
+        <p:nvPicPr>
+          <p:cNvPr id="2" name="Picture 1" descr="A hand with a finger extended&#10;&#10;Description automatically generated with low confidence">
+            <a:extLst>
+              <a:ext uri="{FF2B5EF4-FFF2-40B4-BE49-F238E27FC236}">
+                <a16:creationId xmlns:a16="http://schemas.microsoft.com/office/drawing/2014/main" id="{1D0C0203-DA8A-14DD-8D82-251E1602F506}"/>
+              </a:ext>
+            </a:extLst>
+          </p:cNvPr>
+          <p:cNvPicPr>
+            <a:picLocks noChangeAspect="1"/>
+          </p:cNvPicPr>
+          <p:nvPr/>
+        </p:nvPicPr>
+        <p:blipFill>
+          <a:blip r:embed="rId2">
+            <a:extLst>
+              <a:ext uri="{BEBA8EAE-BF5A-486C-A8C5-ECC9F3942E4B}">
+                <a14:imgProps xmlns:a14="http://schemas.microsoft.com/office/drawing/2010/main">
+                  <a14:imgLayer r:embed="rId3">
+                    <a14:imgEffect>
+                      <a14:backgroundRemoval t="1778" b="98667" l="9778" r="89778">
+                        <a14:foregroundMark x1="53778" y1="9778" x2="53778" y2="9778"/>
+                        <a14:foregroundMark x1="54667" y1="2222" x2="54667" y2="2222"/>
+                        <a14:foregroundMark x1="56000" y1="91556" x2="56889" y2="93333"/>
+                        <a14:foregroundMark x1="57333" y1="98667" x2="57333" y2="98667"/>
+                      </a14:backgroundRemoval>
+                    </a14:imgEffect>
+                  </a14:imgLayer>
+                </a14:imgProps>
+              </a:ext>
+              <a:ext uri="{28A0092B-C50C-407E-A947-70E740481C1C}">
+                <a14:useLocalDpi xmlns:a14="http://schemas.microsoft.com/office/drawing/2010/main" val="0"/>
+              </a:ext>
+            </a:extLst>
+          </a:blip>
+          <a:stretch>
+            <a:fillRect/>
+          </a:stretch>
+        </p:blipFill>
+        <p:spPr>
+          <a:xfrm>
+            <a:off x="8964841" y="1113098"/>
+            <a:ext cx="2143125" cy="2143125"/>
+          </a:xfrm>
+          <a:prstGeom prst="round2DiagRect">
+            <a:avLst>
+              <a:gd name="adj1" fmla="val 16667"/>
+              <a:gd name="adj2" fmla="val 0"/>
+            </a:avLst>
+          </a:prstGeom>
+          <a:ln w="88900" cap="sq">
+            <a:solidFill>
+              <a:srgbClr val="FFFFFF"/>
+            </a:solidFill>
+            <a:miter lim="800000"/>
+          </a:ln>
+          <a:effectLst>
+            <a:outerShdw blurRad="254000" algn="tl" rotWithShape="0">
+              <a:srgbClr val="000000">
+                <a:alpha val="43000"/>
+              </a:srgbClr>
+            </a:outerShdw>
+          </a:effectLst>
+        </p:spPr>
+      </p:pic>
+      <mc:AlternateContent xmlns:mc="http://schemas.openxmlformats.org/markup-compatibility/2006">
+        <mc:Choice xmlns:am3d="http://schemas.microsoft.com/office/drawing/2017/model3d" Requires="am3d">
+          <p:graphicFrame>
+            <p:nvGraphicFramePr>
+              <p:cNvPr id="3" name="3D Model 2" descr="Duet car solid blue">
+                <a:extLst>
+                  <a:ext uri="{FF2B5EF4-FFF2-40B4-BE49-F238E27FC236}">
+                    <a16:creationId xmlns:a16="http://schemas.microsoft.com/office/drawing/2014/main" id="{FEC09469-F077-0AD0-0C03-0F57F94D89A4}"/>
+                  </a:ext>
+                </a:extLst>
+              </p:cNvPr>
+              <p:cNvGraphicFramePr>
+                <a:graphicFrameLocks noChangeAspect="1"/>
+              </p:cNvGraphicFramePr>
+              <p:nvPr>
+                <p:extLst>
+                  <p:ext uri="{D42A27DB-BD31-4B8C-83A1-F6EECF244321}">
+                    <p14:modId xmlns:p14="http://schemas.microsoft.com/office/powerpoint/2010/main" val="1166337915"/>
+                  </p:ext>
+                </p:extLst>
+              </p:nvPr>
+            </p:nvGraphicFramePr>
+            <p:xfrm>
+              <a:off x="503792" y="163455"/>
+              <a:ext cx="4055035" cy="3940809"/>
+            </p:xfrm>
+            <a:graphic>
+              <a:graphicData uri="http://schemas.microsoft.com/office/drawing/2017/model3d">
+                <am3d:model3d r:embed="rId4">
+                  <am3d:spPr>
+                    <a:xfrm>
+                      <a:off x="0" y="0"/>
+                      <a:ext cx="4055035" cy="3940809"/>
+                    </a:xfrm>
+                    <a:prstGeom prst="rect">
+                      <a:avLst/>
+                    </a:prstGeom>
+                  </am3d:spPr>
+                  <am3d:camera>
+                    <am3d:pos x="0" y="0" z="59072593"/>
+                    <am3d:up dx="0" dy="36000000" dz="0"/>
+                    <am3d:lookAt x="0" y="0" z="0"/>
+                    <am3d:perspective fov="2700000"/>
+                  </am3d:camera>
+                  <am3d:trans>
+                    <am3d:meterPerModelUnit n="37110217" d="1000000"/>
+                    <am3d:preTrans dx="-673" dy="-4010891" dz="-958042"/>
+                    <am3d:scale>
+                      <am3d:sx n="1000000" d="1000000"/>
+                      <am3d:sy n="1000000" d="1000000"/>
+                      <am3d:sz n="1000000" d="1000000"/>
+                    </am3d:scale>
+                    <am3d:rot ax="8700000" ay="-1800000" az="-9600000"/>
+                    <am3d:postTrans dx="0" dy="0" dz="0"/>
+                  </am3d:trans>
+                  <am3d:raster rName="Office3DRenderer" rVer="16.0.8326">
+                    <am3d:blip r:embed="rId5"/>
+                  </am3d:raster>
+                  <am3d:objViewport viewportSz="5254412"/>
+                  <am3d:ambientLight>
+                    <am3d:clr>
+                      <a:scrgbClr r="50000" g="50000" b="50000"/>
+                    </am3d:clr>
+                    <am3d:illuminance n="500000" d="1000000"/>
+                  </am3d:ambientLight>
+                  <am3d:ptLight rad="0">
+                    <am3d:clr>
+                      <a:scrgbClr r="100000" g="75000" b="50000"/>
+                    </am3d:clr>
+                    <am3d:intensity n="9765625" d="1000000"/>
+                    <am3d:pos x="21959998" y="70920001" z="16344003"/>
+                  </am3d:ptLight>
+                  <am3d:ptLight rad="0">
+                    <am3d:clr>
+                      <a:scrgbClr r="40000" g="60000" b="95000"/>
+                    </am3d:clr>
+                    <am3d:intensity n="12250000" d="1000000"/>
+                    <am3d:pos x="-37964106" y="51130435" z="57631972"/>
+                  </am3d:ptLight>
+                  <am3d:ptLight rad="0">
+                    <am3d:clr>
+                      <a:scrgbClr r="86837" g="72700" b="100000"/>
+                    </am3d:clr>
+                    <am3d:intensity n="3125000" d="1000000"/>
+                    <am3d:pos x="-37739122" y="58056624" z="-34769649"/>
+                  </am3d:ptLight>
+                </am3d:model3d>
+              </a:graphicData>
+            </a:graphic>
+          </p:graphicFrame>
+        </mc:Choice>
+        <mc:Fallback>
+          <p:pic>
+            <p:nvPicPr>
+              <p:cNvPr id="3" name="3D Model 2" descr="Duet car solid blue">
+                <a:extLst>
+                  <a:ext uri="{FF2B5EF4-FFF2-40B4-BE49-F238E27FC236}">
+                    <a16:creationId xmlns:a16="http://schemas.microsoft.com/office/drawing/2014/main" id="{FEC09469-F077-0AD0-0C03-0F57F94D89A4}"/>
+                  </a:ext>
+                </a:extLst>
+              </p:cNvPr>
+              <p:cNvPicPr>
+                <a:picLocks noGrp="1" noRot="1" noChangeAspect="1" noMove="1" noResize="1" noEditPoints="1" noAdjustHandles="1" noChangeArrowheads="1" noChangeShapeType="1" noCrop="1"/>
+              </p:cNvPicPr>
+              <p:nvPr/>
+            </p:nvPicPr>
+            <p:blipFill>
+              <a:blip r:embed="rId5"/>
+              <a:stretch>
+                <a:fillRect/>
+              </a:stretch>
+            </p:blipFill>
+            <p:spPr>
+              <a:xfrm>
+                <a:off x="503792" y="163455"/>
+                <a:ext cx="4055035" cy="3940809"/>
+              </a:xfrm>
+              <a:prstGeom prst="rect">
+                <a:avLst/>
+              </a:prstGeom>
+            </p:spPr>
+          </p:pic>
+        </mc:Fallback>
+      </mc:AlternateContent>
+      <p:sp>
+        <p:nvSpPr>
+          <p:cNvPr id="5" name="Oval 4">
+            <a:extLst>
+              <a:ext uri="{FF2B5EF4-FFF2-40B4-BE49-F238E27FC236}">
+                <a16:creationId xmlns:a16="http://schemas.microsoft.com/office/drawing/2014/main" id="{4ECE8709-68EF-B290-08B5-D45840806B72}"/>
+              </a:ext>
+            </a:extLst>
+          </p:cNvPr>
+          <p:cNvSpPr/>
+          <p:nvPr/>
+        </p:nvSpPr>
+        <p:spPr>
+          <a:xfrm>
+            <a:off x="5003801" y="1113098"/>
+            <a:ext cx="2590800" cy="783097"/>
+          </a:xfrm>
+          <a:prstGeom prst="ellipse">
+            <a:avLst/>
+          </a:prstGeom>
+          <a:solidFill>
+            <a:schemeClr val="bg1">
+              <a:lumMod val="75000"/>
+              <a:lumOff val="25000"/>
+            </a:schemeClr>
+          </a:solidFill>
+          <a:effectLst>
+            <a:glow rad="139700">
+              <a:schemeClr val="accent2">
+                <a:satMod val="175000"/>
+                <a:alpha val="40000"/>
+              </a:schemeClr>
+            </a:glow>
+          </a:effectLst>
+        </p:spPr>
+        <p:style>
+          <a:lnRef idx="1">
+            <a:schemeClr val="dk1"/>
+          </a:lnRef>
+          <a:fillRef idx="2">
+            <a:schemeClr val="dk1"/>
+          </a:fillRef>
+          <a:effectRef idx="1">
+            <a:schemeClr val="dk1"/>
+          </a:effectRef>
+          <a:fontRef idx="minor">
+            <a:schemeClr val="dk1"/>
+          </a:fontRef>
+        </p:style>
+        <p:txBody>
+          <a:bodyPr rtlCol="0" anchor="ctr"/>
+          <a:lstStyle/>
+          <a:p>
+            <a:pPr algn="ctr"/>
+            <a:r>
+              <a:rPr lang="en-US" sz="2000" b="1" dirty="0">
+                <a:ln w="12700">
+                  <a:solidFill>
+                    <a:schemeClr val="tx2">
+                      <a:lumMod val="75000"/>
+                    </a:schemeClr>
+                  </a:solidFill>
+                  <a:prstDash val="solid"/>
+                </a:ln>
+                <a:pattFill prst="dkUpDiag">
+                  <a:fgClr>
+                    <a:schemeClr val="tx2"/>
+                  </a:fgClr>
+                  <a:bgClr>
+                    <a:schemeClr val="tx2">
+                      <a:lumMod val="20000"/>
+                      <a:lumOff val="80000"/>
+                    </a:schemeClr>
+                  </a:bgClr>
+                </a:pattFill>
+                <a:effectLst>
+                  <a:outerShdw dist="38100" dir="2640000" algn="bl" rotWithShape="0">
+                    <a:schemeClr val="tx2">
+                      <a:lumMod val="75000"/>
+                    </a:schemeClr>
+                  </a:outerShdw>
+                </a:effectLst>
+              </a:rPr>
+              <a:t>Double Speed</a:t>
+            </a:r>
+          </a:p>
+        </p:txBody>
+      </p:sp>
+      <p:pic>
+        <p:nvPicPr>
+          <p:cNvPr id="7" name="Picture 6" descr="A picture containing text, clock&#10;&#10;Description automatically generated">
+            <a:extLst>
+              <a:ext uri="{FF2B5EF4-FFF2-40B4-BE49-F238E27FC236}">
+                <a16:creationId xmlns:a16="http://schemas.microsoft.com/office/drawing/2014/main" id="{17A1B1D6-2C64-D85B-2C38-6C5FC3182783}"/>
+              </a:ext>
+            </a:extLst>
+          </p:cNvPr>
+          <p:cNvPicPr>
+            <a:picLocks noChangeAspect="1"/>
+          </p:cNvPicPr>
+          <p:nvPr/>
+        </p:nvPicPr>
+        <p:blipFill rotWithShape="1">
+          <a:blip r:embed="rId6">
+            <a:extLst>
+              <a:ext uri="{28A0092B-C50C-407E-A947-70E740481C1C}">
+                <a14:useLocalDpi xmlns:a14="http://schemas.microsoft.com/office/drawing/2010/main" val="0"/>
+              </a:ext>
+            </a:extLst>
+          </a:blip>
+          <a:srcRect t="7106"/>
+          <a:stretch/>
+        </p:blipFill>
+        <p:spPr>
+          <a:xfrm>
+            <a:off x="1107694" y="4792134"/>
+            <a:ext cx="4101156" cy="1024466"/>
+          </a:xfrm>
+          <a:prstGeom prst="rect">
+            <a:avLst/>
+          </a:prstGeom>
+        </p:spPr>
+      </p:pic>
+      <mc:AlternateContent xmlns:mc="http://schemas.openxmlformats.org/markup-compatibility/2006" xmlns:p14="http://schemas.microsoft.com/office/powerpoint/2010/main">
+        <mc:Choice Requires="p14">
+          <p:contentPart p14:bwMode="auto" r:id="rId7">
+            <p14:nvContentPartPr>
+              <p14:cNvPr id="8" name="Ink 7">
+                <a:extLst>
+                  <a:ext uri="{FF2B5EF4-FFF2-40B4-BE49-F238E27FC236}">
+                    <a16:creationId xmlns:a16="http://schemas.microsoft.com/office/drawing/2014/main" id="{EAC4F8C9-FEFD-AFD6-C845-D7C2A3752158}"/>
+                  </a:ext>
+                </a:extLst>
+              </p14:cNvPr>
+              <p14:cNvContentPartPr/>
+              <p14:nvPr/>
+            </p14:nvContentPartPr>
+            <p14:xfrm>
+              <a:off x="9752427" y="1326547"/>
+              <a:ext cx="155160" cy="643320"/>
+            </p14:xfrm>
+          </p:contentPart>
+        </mc:Choice>
+        <mc:Fallback xmlns="">
+          <p:pic>
+            <p:nvPicPr>
+              <p:cNvPr id="8" name="Ink 7">
+                <a:extLst>
+                  <a:ext uri="{FF2B5EF4-FFF2-40B4-BE49-F238E27FC236}">
+                    <a16:creationId xmlns:a16="http://schemas.microsoft.com/office/drawing/2014/main" id="{EAC4F8C9-FEFD-AFD6-C845-D7C2A3752158}"/>
+                  </a:ext>
+                </a:extLst>
+              </p:cNvPr>
+              <p:cNvPicPr/>
+              <p:nvPr/>
+            </p:nvPicPr>
+            <p:blipFill>
+              <a:blip r:embed="rId8"/>
+              <a:stretch>
+                <a:fillRect/>
+              </a:stretch>
+            </p:blipFill>
+            <p:spPr>
+              <a:xfrm>
+                <a:off x="9698427" y="1218907"/>
+                <a:ext cx="262800" cy="858960"/>
+              </a:xfrm>
+              <a:prstGeom prst="rect">
+                <a:avLst/>
+              </a:prstGeom>
+            </p:spPr>
+          </p:pic>
+        </mc:Fallback>
+      </mc:AlternateContent>
+      <mc:AlternateContent xmlns:mc="http://schemas.openxmlformats.org/markup-compatibility/2006" xmlns:p14="http://schemas.microsoft.com/office/powerpoint/2010/main">
+        <mc:Choice Requires="p14">
+          <p:contentPart p14:bwMode="auto" r:id="rId9">
+            <p14:nvContentPartPr>
+              <p14:cNvPr id="9" name="Ink 8">
+                <a:extLst>
+                  <a:ext uri="{FF2B5EF4-FFF2-40B4-BE49-F238E27FC236}">
+                    <a16:creationId xmlns:a16="http://schemas.microsoft.com/office/drawing/2014/main" id="{B21B89B6-C535-60A0-B284-8F2873AF2FE9}"/>
+                  </a:ext>
+                </a:extLst>
+              </p14:cNvPr>
+              <p14:cNvContentPartPr/>
+              <p14:nvPr/>
+            </p14:nvContentPartPr>
+            <p14:xfrm>
+              <a:off x="10608507" y="1641187"/>
+              <a:ext cx="222840" cy="366480"/>
+            </p14:xfrm>
+          </p:contentPart>
+        </mc:Choice>
+        <mc:Fallback xmlns="">
+          <p:pic>
+            <p:nvPicPr>
+              <p:cNvPr id="9" name="Ink 8">
+                <a:extLst>
+                  <a:ext uri="{FF2B5EF4-FFF2-40B4-BE49-F238E27FC236}">
+                    <a16:creationId xmlns:a16="http://schemas.microsoft.com/office/drawing/2014/main" id="{B21B89B6-C535-60A0-B284-8F2873AF2FE9}"/>
+                  </a:ext>
+                </a:extLst>
+              </p:cNvPr>
+              <p:cNvPicPr/>
+              <p:nvPr/>
+            </p:nvPicPr>
+            <p:blipFill>
+              <a:blip r:embed="rId10"/>
+              <a:stretch>
+                <a:fillRect/>
+              </a:stretch>
+            </p:blipFill>
+            <p:spPr>
+              <a:xfrm>
+                <a:off x="10554507" y="1533547"/>
+                <a:ext cx="330480" cy="582120"/>
+              </a:xfrm>
+              <a:prstGeom prst="rect">
+                <a:avLst/>
+              </a:prstGeom>
+            </p:spPr>
+          </p:pic>
+        </mc:Fallback>
+      </mc:AlternateContent>
+      <mc:AlternateContent xmlns:mc="http://schemas.openxmlformats.org/markup-compatibility/2006" xmlns:p14="http://schemas.microsoft.com/office/powerpoint/2010/main">
+        <mc:Choice Requires="p14">
+          <p:contentPart p14:bwMode="auto" r:id="rId11">
+            <p14:nvContentPartPr>
+              <p14:cNvPr id="10" name="Ink 9">
+                <a:extLst>
+                  <a:ext uri="{FF2B5EF4-FFF2-40B4-BE49-F238E27FC236}">
+                    <a16:creationId xmlns:a16="http://schemas.microsoft.com/office/drawing/2014/main" id="{8F2962C6-787F-52CB-EC06-01436327D139}"/>
+                  </a:ext>
+                </a:extLst>
+              </p14:cNvPr>
+              <p14:cNvContentPartPr/>
+              <p14:nvPr/>
+            </p14:nvContentPartPr>
+            <p14:xfrm>
+              <a:off x="9282987" y="2060227"/>
+              <a:ext cx="259560" cy="287640"/>
+            </p14:xfrm>
+          </p:contentPart>
+        </mc:Choice>
+        <mc:Fallback xmlns="">
+          <p:pic>
+            <p:nvPicPr>
+              <p:cNvPr id="10" name="Ink 9">
+                <a:extLst>
+                  <a:ext uri="{FF2B5EF4-FFF2-40B4-BE49-F238E27FC236}">
+                    <a16:creationId xmlns:a16="http://schemas.microsoft.com/office/drawing/2014/main" id="{8F2962C6-787F-52CB-EC06-01436327D139}"/>
+                  </a:ext>
+                </a:extLst>
+              </p:cNvPr>
+              <p:cNvPicPr/>
+              <p:nvPr/>
+            </p:nvPicPr>
+            <p:blipFill>
+              <a:blip r:embed="rId12"/>
+              <a:stretch>
+                <a:fillRect/>
+              </a:stretch>
+            </p:blipFill>
+            <p:spPr>
+              <a:xfrm>
+                <a:off x="9229347" y="1952227"/>
+                <a:ext cx="367200" cy="503280"/>
+              </a:xfrm>
+              <a:prstGeom prst="rect">
+                <a:avLst/>
+              </a:prstGeom>
+            </p:spPr>
+          </p:pic>
+        </mc:Fallback>
+      </mc:AlternateContent>
+    </p:spTree>
+    <p:extLst>
+      <p:ext uri="{BB962C8B-B14F-4D97-AF65-F5344CB8AC3E}">
+        <p14:creationId xmlns:p14="http://schemas.microsoft.com/office/powerpoint/2010/main" val="1148314497"/>
+      </p:ext>
+    </p:extLst>
+  </p:cSld>
+  <p:clrMapOvr>
+    <a:masterClrMapping/>
+  </p:clrMapOvr>
+</p:sld>
+</file>
+
+<file path=ppt/slides/slide11.xml><?xml version="1.0" encoding="utf-8"?>
 <p:sld xmlns:a="http://schemas.openxmlformats.org/drawingml/2006/main" xmlns:r="http://schemas.openxmlformats.org/officeDocument/2006/relationships" xmlns:p="http://schemas.openxmlformats.org/presentationml/2006/main">
   <p:cSld>
     <p:spTree>
@@ -14521,8 +14987,8 @@
           </a:prstGeom>
         </p:spPr>
       </p:pic>
-      <mc:AlternateContent xmlns:mc="http://schemas.openxmlformats.org/markup-compatibility/2006">
-        <mc:Choice xmlns:p14="http://schemas.microsoft.com/office/powerpoint/2010/main" Requires="p14">
+      <mc:AlternateContent xmlns:mc="http://schemas.openxmlformats.org/markup-compatibility/2006" xmlns:p14="http://schemas.microsoft.com/office/powerpoint/2010/main">
+        <mc:Choice Requires="p14">
           <p:contentPart p14:bwMode="auto" r:id="rId7">
             <p14:nvContentPartPr>
               <p14:cNvPr id="8" name="Ink 7">
@@ -14541,7 +15007,7 @@
             </p14:xfrm>
           </p:contentPart>
         </mc:Choice>
-        <mc:Fallback>
+        <mc:Fallback xmlns="">
           <p:pic>
             <p:nvPicPr>
               <p:cNvPr id="8" name="Ink 7">
@@ -14572,8 +15038,8 @@
           </p:pic>
         </mc:Fallback>
       </mc:AlternateContent>
-      <mc:AlternateContent xmlns:mc="http://schemas.openxmlformats.org/markup-compatibility/2006">
-        <mc:Choice xmlns:p14="http://schemas.microsoft.com/office/powerpoint/2010/main" Requires="p14">
+      <mc:AlternateContent xmlns:mc="http://schemas.openxmlformats.org/markup-compatibility/2006" xmlns:p14="http://schemas.microsoft.com/office/powerpoint/2010/main">
+        <mc:Choice Requires="p14">
           <p:contentPart p14:bwMode="auto" r:id="rId9">
             <p14:nvContentPartPr>
               <p14:cNvPr id="9" name="Ink 8">
@@ -14592,7 +15058,7 @@
             </p14:xfrm>
           </p:contentPart>
         </mc:Choice>
-        <mc:Fallback>
+        <mc:Fallback xmlns="">
           <p:pic>
             <p:nvPicPr>
               <p:cNvPr id="9" name="Ink 8">
@@ -14623,8 +15089,8 @@
           </p:pic>
         </mc:Fallback>
       </mc:AlternateContent>
-      <mc:AlternateContent xmlns:mc="http://schemas.openxmlformats.org/markup-compatibility/2006">
-        <mc:Choice xmlns:p14="http://schemas.microsoft.com/office/powerpoint/2010/main" Requires="p14">
+      <mc:AlternateContent xmlns:mc="http://schemas.openxmlformats.org/markup-compatibility/2006" xmlns:p14="http://schemas.microsoft.com/office/powerpoint/2010/main">
+        <mc:Choice Requires="p14">
           <p:contentPart p14:bwMode="auto" r:id="rId11">
             <p14:nvContentPartPr>
               <p14:cNvPr id="10" name="Ink 9">
@@ -14643,7 +15109,7 @@
             </p14:xfrm>
           </p:contentPart>
         </mc:Choice>
-        <mc:Fallback>
+        <mc:Fallback xmlns="">
           <p:pic>
             <p:nvPicPr>
               <p:cNvPr id="10" name="Ink 9">
@@ -14687,7 +15153,7 @@
 </p:sld>
 </file>
 
-<file path=ppt/slides/slide11.xml><?xml version="1.0" encoding="utf-8"?>
+<file path=ppt/slides/slide12.xml><?xml version="1.0" encoding="utf-8"?>
 <p:sld xmlns:a="http://schemas.openxmlformats.org/drawingml/2006/main" xmlns:r="http://schemas.openxmlformats.org/officeDocument/2006/relationships" xmlns:p="http://schemas.openxmlformats.org/presentationml/2006/main">
   <p:cSld>
     <p:spTree>
@@ -15017,8 +15483,8 @@
           </a:prstGeom>
         </p:spPr>
       </p:pic>
-      <mc:AlternateContent xmlns:mc="http://schemas.openxmlformats.org/markup-compatibility/2006">
-        <mc:Choice xmlns:p14="http://schemas.microsoft.com/office/powerpoint/2010/main" Requires="p14">
+      <mc:AlternateContent xmlns:mc="http://schemas.openxmlformats.org/markup-compatibility/2006" xmlns:p14="http://schemas.microsoft.com/office/powerpoint/2010/main">
+        <mc:Choice Requires="p14">
           <p:contentPart p14:bwMode="auto" r:id="rId7">
             <p14:nvContentPartPr>
               <p14:cNvPr id="9" name="Ink 8">
@@ -15037,7 +15503,7 @@
             </p14:xfrm>
           </p:contentPart>
         </mc:Choice>
-        <mc:Fallback>
+        <mc:Fallback xmlns="">
           <p:pic>
             <p:nvPicPr>
               <p:cNvPr id="9" name="Ink 8">
@@ -15068,8 +15534,8 @@
           </p:pic>
         </mc:Fallback>
       </mc:AlternateContent>
-      <mc:AlternateContent xmlns:mc="http://schemas.openxmlformats.org/markup-compatibility/2006">
-        <mc:Choice xmlns:p14="http://schemas.microsoft.com/office/powerpoint/2010/main" Requires="p14">
+      <mc:AlternateContent xmlns:mc="http://schemas.openxmlformats.org/markup-compatibility/2006" xmlns:p14="http://schemas.microsoft.com/office/powerpoint/2010/main">
+        <mc:Choice Requires="p14">
           <p:contentPart p14:bwMode="auto" r:id="rId9">
             <p14:nvContentPartPr>
               <p14:cNvPr id="10" name="Ink 9">
@@ -15088,7 +15554,7 @@
             </p14:xfrm>
           </p:contentPart>
         </mc:Choice>
-        <mc:Fallback>
+        <mc:Fallback xmlns="">
           <p:pic>
             <p:nvPicPr>
               <p:cNvPr id="10" name="Ink 9">
@@ -15132,7 +15598,7 @@
 </p:sld>
 </file>
 
-<file path=ppt/slides/slide12.xml><?xml version="1.0" encoding="utf-8"?>
+<file path=ppt/slides/slide13.xml><?xml version="1.0" encoding="utf-8"?>
 <p:sld xmlns:a="http://schemas.openxmlformats.org/drawingml/2006/main" xmlns:r="http://schemas.openxmlformats.org/officeDocument/2006/relationships" xmlns:p="http://schemas.openxmlformats.org/presentationml/2006/main">
   <p:cSld>
     <p:spTree>
@@ -15198,8 +15664,8 @@
         </p:nvSpPr>
         <p:spPr>
           <a:xfrm>
-            <a:off x="3903133" y="745067"/>
-            <a:ext cx="3666067" cy="612648"/>
+            <a:off x="3016577" y="745067"/>
+            <a:ext cx="5948314" cy="612648"/>
           </a:xfrm>
           <a:prstGeom prst="ribbon">
             <a:avLst/>
@@ -15554,42 +16020,6 @@
           </a:p>
         </p:txBody>
       </p:sp>
-      <p:pic>
-        <p:nvPicPr>
-          <p:cNvPr id="5" name="صورة 3">
-            <a:extLst>
-              <a:ext uri="{FF2B5EF4-FFF2-40B4-BE49-F238E27FC236}">
-                <a16:creationId xmlns:a16="http://schemas.microsoft.com/office/drawing/2014/main" id="{42A7A01D-3E3C-D791-D93A-923EC10E995D}"/>
-              </a:ext>
-            </a:extLst>
-          </p:cNvPr>
-          <p:cNvPicPr>
-            <a:picLocks noChangeAspect="1"/>
-          </p:cNvPicPr>
-          <p:nvPr/>
-        </p:nvPicPr>
-        <p:blipFill>
-          <a:blip r:embed="rId2">
-            <a:extLst>
-              <a:ext uri="{28A0092B-C50C-407E-A947-70E740481C1C}">
-                <a14:useLocalDpi xmlns:a14="http://schemas.microsoft.com/office/drawing/2010/main" val="0"/>
-              </a:ext>
-            </a:extLst>
-          </a:blip>
-          <a:stretch>
-            <a:fillRect/>
-          </a:stretch>
-        </p:blipFill>
-        <p:spPr>
-          <a:xfrm>
-            <a:off x="9533074" y="128432"/>
-            <a:ext cx="2465214" cy="908516"/>
-          </a:xfrm>
-          <a:prstGeom prst="rect">
-            <a:avLst/>
-          </a:prstGeom>
-        </p:spPr>
-      </p:pic>
       <p:sp>
         <p:nvSpPr>
           <p:cNvPr id="11" name="Flowchart: Process 10">
@@ -15739,42 +16169,6 @@
           <a:chExt cx="0" cy="0"/>
         </a:xfrm>
       </p:grpSpPr>
-      <p:pic>
-        <p:nvPicPr>
-          <p:cNvPr id="4" name="صورة 3">
-            <a:extLst>
-              <a:ext uri="{FF2B5EF4-FFF2-40B4-BE49-F238E27FC236}">
-                <a16:creationId xmlns:a16="http://schemas.microsoft.com/office/drawing/2014/main" id="{DCCA4812-A1F6-0869-D622-AC3E36B71D1E}"/>
-              </a:ext>
-            </a:extLst>
-          </p:cNvPr>
-          <p:cNvPicPr>
-            <a:picLocks noChangeAspect="1"/>
-          </p:cNvPicPr>
-          <p:nvPr/>
-        </p:nvPicPr>
-        <p:blipFill>
-          <a:blip r:embed="rId2">
-            <a:extLst>
-              <a:ext uri="{28A0092B-C50C-407E-A947-70E740481C1C}">
-                <a14:useLocalDpi xmlns:a14="http://schemas.microsoft.com/office/drawing/2010/main" val="0"/>
-              </a:ext>
-            </a:extLst>
-          </a:blip>
-          <a:stretch>
-            <a:fillRect/>
-          </a:stretch>
-        </p:blipFill>
-        <p:spPr>
-          <a:xfrm>
-            <a:off x="9580207" y="175566"/>
-            <a:ext cx="2465214" cy="908516"/>
-          </a:xfrm>
-          <a:prstGeom prst="rect">
-            <a:avLst/>
-          </a:prstGeom>
-        </p:spPr>
-      </p:pic>
       <p:sp>
         <p:nvSpPr>
           <p:cNvPr id="5" name="TextBox 4">
@@ -16123,6 +16517,143 @@
           <a:chExt cx="0" cy="0"/>
         </a:xfrm>
       </p:grpSpPr>
+      <p:sp>
+        <p:nvSpPr>
+          <p:cNvPr id="4" name="TextBox 3">
+            <a:extLst>
+              <a:ext uri="{FF2B5EF4-FFF2-40B4-BE49-F238E27FC236}">
+                <a16:creationId xmlns:a16="http://schemas.microsoft.com/office/drawing/2014/main" id="{826D2715-2965-C71F-BE21-B1E36163E759}"/>
+              </a:ext>
+            </a:extLst>
+          </p:cNvPr>
+          <p:cNvSpPr txBox="1"/>
+          <p:nvPr/>
+        </p:nvSpPr>
+        <p:spPr>
+          <a:xfrm>
+            <a:off x="3308809" y="367644"/>
+            <a:ext cx="4724244" cy="461665"/>
+          </a:xfrm>
+          <a:prstGeom prst="rect">
+            <a:avLst/>
+          </a:prstGeom>
+          <a:noFill/>
+          <a:ln w="9525" cap="flat" cmpd="sng" algn="ctr">
+            <a:solidFill>
+              <a:schemeClr val="accent1"/>
+            </a:solidFill>
+            <a:prstDash val="solid"/>
+            <a:round/>
+            <a:headEnd type="none" w="med" len="med"/>
+            <a:tailEnd type="none" w="med" len="med"/>
+          </a:ln>
+        </p:spPr>
+        <p:style>
+          <a:lnRef idx="0">
+            <a:scrgbClr r="0" g="0" b="0"/>
+          </a:lnRef>
+          <a:fillRef idx="0">
+            <a:scrgbClr r="0" g="0" b="0"/>
+          </a:fillRef>
+          <a:effectRef idx="0">
+            <a:scrgbClr r="0" g="0" b="0"/>
+          </a:effectRef>
+          <a:fontRef idx="minor">
+            <a:schemeClr val="accent1"/>
+          </a:fontRef>
+        </p:style>
+        <p:txBody>
+          <a:bodyPr wrap="square" rtlCol="0">
+            <a:spAutoFit/>
+          </a:bodyPr>
+          <a:lstStyle/>
+          <a:p>
+            <a:r>
+              <a:rPr lang="en-US" sz="2400" b="1" dirty="0"/>
+              <a:t>Car And Hand Modules In Proteus</a:t>
+            </a:r>
+          </a:p>
+        </p:txBody>
+      </p:sp>
+      <p:pic>
+        <p:nvPicPr>
+          <p:cNvPr id="6" name="Picture 5">
+            <a:extLst>
+              <a:ext uri="{FF2B5EF4-FFF2-40B4-BE49-F238E27FC236}">
+                <a16:creationId xmlns:a16="http://schemas.microsoft.com/office/drawing/2014/main" id="{0AEC5084-3869-DAB7-8081-3854F23E98C3}"/>
+              </a:ext>
+            </a:extLst>
+          </p:cNvPr>
+          <p:cNvPicPr>
+            <a:picLocks noChangeAspect="1"/>
+          </p:cNvPicPr>
+          <p:nvPr/>
+        </p:nvPicPr>
+        <p:blipFill>
+          <a:blip r:embed="rId2">
+            <a:extLst>
+              <a:ext uri="{28A0092B-C50C-407E-A947-70E740481C1C}">
+                <a14:useLocalDpi xmlns:a14="http://schemas.microsoft.com/office/drawing/2010/main" val="0"/>
+              </a:ext>
+            </a:extLst>
+          </a:blip>
+          <a:srcRect/>
+          <a:stretch/>
+        </p:blipFill>
+        <p:spPr>
+          <a:xfrm>
+            <a:off x="509047" y="1415293"/>
+            <a:ext cx="10963373" cy="4611875"/>
+          </a:xfrm>
+          <a:prstGeom prst="rect">
+            <a:avLst/>
+          </a:prstGeom>
+          <a:effectLst>
+            <a:glow rad="63500">
+              <a:schemeClr val="accent2">
+                <a:satMod val="175000"/>
+                <a:alpha val="40000"/>
+              </a:schemeClr>
+            </a:glow>
+            <a:outerShdw blurRad="63500" sx="102000" sy="102000" algn="ctr" rotWithShape="0">
+              <a:prstClr val="black">
+                <a:alpha val="40000"/>
+              </a:prstClr>
+            </a:outerShdw>
+            <a:softEdge rad="63500"/>
+          </a:effectLst>
+        </p:spPr>
+      </p:pic>
+    </p:spTree>
+    <p:extLst>
+      <p:ext uri="{BB962C8B-B14F-4D97-AF65-F5344CB8AC3E}">
+        <p14:creationId xmlns:p14="http://schemas.microsoft.com/office/powerpoint/2010/main" val="2208696009"/>
+      </p:ext>
+    </p:extLst>
+  </p:cSld>
+  <p:clrMapOvr>
+    <a:masterClrMapping/>
+  </p:clrMapOvr>
+</p:sld>
+</file>
+
+<file path=ppt/slides/slide5.xml><?xml version="1.0" encoding="utf-8"?>
+<p:sld xmlns:a="http://schemas.openxmlformats.org/drawingml/2006/main" xmlns:r="http://schemas.openxmlformats.org/officeDocument/2006/relationships" xmlns:p="http://schemas.openxmlformats.org/presentationml/2006/main">
+  <p:cSld>
+    <p:spTree>
+      <p:nvGrpSpPr>
+        <p:cNvPr id="1" name=""/>
+        <p:cNvGrpSpPr/>
+        <p:nvPr/>
+      </p:nvGrpSpPr>
+      <p:grpSpPr>
+        <a:xfrm>
+          <a:off x="0" y="0"/>
+          <a:ext cx="0" cy="0"/>
+          <a:chOff x="0" y="0"/>
+          <a:chExt cx="0" cy="0"/>
+        </a:xfrm>
+      </p:grpSpPr>
       <p:pic>
         <p:nvPicPr>
           <p:cNvPr id="5" name="Picture 4" descr="A picture containing text, handwear&#10;&#10;Description automatically generated">
@@ -16313,8 +16844,8 @@
           </p:pic>
         </mc:Fallback>
       </mc:AlternateContent>
-      <mc:AlternateContent xmlns:mc="http://schemas.openxmlformats.org/markup-compatibility/2006">
-        <mc:Choice xmlns:p14="http://schemas.microsoft.com/office/powerpoint/2010/main" Requires="p14">
+      <mc:AlternateContent xmlns:mc="http://schemas.openxmlformats.org/markup-compatibility/2006" xmlns:p14="http://schemas.microsoft.com/office/powerpoint/2010/main">
+        <mc:Choice Requires="p14">
           <p:contentPart p14:bwMode="auto" r:id="rId6">
             <p14:nvContentPartPr>
               <p14:cNvPr id="21" name="Ink 20">
@@ -16333,7 +16864,7 @@
             </p14:xfrm>
           </p:contentPart>
         </mc:Choice>
-        <mc:Fallback>
+        <mc:Fallback xmlns="">
           <p:pic>
             <p:nvPicPr>
               <p:cNvPr id="21" name="Ink 20">
@@ -16364,8 +16895,8 @@
           </p:pic>
         </mc:Fallback>
       </mc:AlternateContent>
-      <mc:AlternateContent xmlns:mc="http://schemas.openxmlformats.org/markup-compatibility/2006">
-        <mc:Choice xmlns:p14="http://schemas.microsoft.com/office/powerpoint/2010/main" Requires="p14">
+      <mc:AlternateContent xmlns:mc="http://schemas.openxmlformats.org/markup-compatibility/2006" xmlns:p14="http://schemas.microsoft.com/office/powerpoint/2010/main">
+        <mc:Choice Requires="p14">
           <p:contentPart p14:bwMode="auto" r:id="rId8">
             <p14:nvContentPartPr>
               <p14:cNvPr id="30" name="Ink 29">
@@ -16384,7 +16915,7 @@
             </p14:xfrm>
           </p:contentPart>
         </mc:Choice>
-        <mc:Fallback>
+        <mc:Fallback xmlns="">
           <p:pic>
             <p:nvPicPr>
               <p:cNvPr id="30" name="Ink 29">
@@ -16415,8 +16946,8 @@
           </p:pic>
         </mc:Fallback>
       </mc:AlternateContent>
-      <mc:AlternateContent xmlns:mc="http://schemas.openxmlformats.org/markup-compatibility/2006">
-        <mc:Choice xmlns:p14="http://schemas.microsoft.com/office/powerpoint/2010/main" Requires="p14">
+      <mc:AlternateContent xmlns:mc="http://schemas.openxmlformats.org/markup-compatibility/2006" xmlns:p14="http://schemas.microsoft.com/office/powerpoint/2010/main">
+        <mc:Choice Requires="p14">
           <p:contentPart p14:bwMode="auto" r:id="rId10">
             <p14:nvContentPartPr>
               <p14:cNvPr id="29" name="Ink 28">
@@ -16435,7 +16966,7 @@
             </p14:xfrm>
           </p:contentPart>
         </mc:Choice>
-        <mc:Fallback>
+        <mc:Fallback xmlns="">
           <p:pic>
             <p:nvPicPr>
               <p:cNvPr id="29" name="Ink 28">
@@ -16466,8 +16997,8 @@
           </p:pic>
         </mc:Fallback>
       </mc:AlternateContent>
-      <mc:AlternateContent xmlns:mc="http://schemas.openxmlformats.org/markup-compatibility/2006">
-        <mc:Choice xmlns:p14="http://schemas.microsoft.com/office/powerpoint/2010/main" Requires="p14">
+      <mc:AlternateContent xmlns:mc="http://schemas.openxmlformats.org/markup-compatibility/2006" xmlns:p14="http://schemas.microsoft.com/office/powerpoint/2010/main">
+        <mc:Choice Requires="p14">
           <p:contentPart p14:bwMode="auto" r:id="rId12">
             <p14:nvContentPartPr>
               <p14:cNvPr id="19" name="Ink 18">
@@ -16486,7 +17017,7 @@
             </p14:xfrm>
           </p:contentPart>
         </mc:Choice>
-        <mc:Fallback>
+        <mc:Fallback xmlns="">
           <p:pic>
             <p:nvPicPr>
               <p:cNvPr id="19" name="Ink 18">
@@ -16517,8 +17048,8 @@
           </p:pic>
         </mc:Fallback>
       </mc:AlternateContent>
-      <mc:AlternateContent xmlns:mc="http://schemas.openxmlformats.org/markup-compatibility/2006">
-        <mc:Choice xmlns:p14="http://schemas.microsoft.com/office/powerpoint/2010/main" Requires="p14">
+      <mc:AlternateContent xmlns:mc="http://schemas.openxmlformats.org/markup-compatibility/2006" xmlns:p14="http://schemas.microsoft.com/office/powerpoint/2010/main">
+        <mc:Choice Requires="p14">
           <p:contentPart p14:bwMode="auto" r:id="rId14">
             <p14:nvContentPartPr>
               <p14:cNvPr id="28" name="Ink 27">
@@ -16537,7 +17068,7 @@
             </p14:xfrm>
           </p:contentPart>
         </mc:Choice>
-        <mc:Fallback>
+        <mc:Fallback xmlns="">
           <p:pic>
             <p:nvPicPr>
               <p:cNvPr id="28" name="Ink 27">
@@ -16568,8 +17099,8 @@
           </p:pic>
         </mc:Fallback>
       </mc:AlternateContent>
-      <mc:AlternateContent xmlns:mc="http://schemas.openxmlformats.org/markup-compatibility/2006">
-        <mc:Choice xmlns:p14="http://schemas.microsoft.com/office/powerpoint/2010/main" Requires="p14">
+      <mc:AlternateContent xmlns:mc="http://schemas.openxmlformats.org/markup-compatibility/2006" xmlns:p14="http://schemas.microsoft.com/office/powerpoint/2010/main">
+        <mc:Choice Requires="p14">
           <p:contentPart p14:bwMode="auto" r:id="rId16">
             <p14:nvContentPartPr>
               <p14:cNvPr id="27" name="Ink 26">
@@ -16588,7 +17119,7 @@
             </p14:xfrm>
           </p:contentPart>
         </mc:Choice>
-        <mc:Fallback>
+        <mc:Fallback xmlns="">
           <p:pic>
             <p:nvPicPr>
               <p:cNvPr id="27" name="Ink 26">
@@ -16619,8 +17150,8 @@
           </p:pic>
         </mc:Fallback>
       </mc:AlternateContent>
-      <mc:AlternateContent xmlns:mc="http://schemas.openxmlformats.org/markup-compatibility/2006">
-        <mc:Choice xmlns:p14="http://schemas.microsoft.com/office/powerpoint/2010/main" Requires="p14">
+      <mc:AlternateContent xmlns:mc="http://schemas.openxmlformats.org/markup-compatibility/2006" xmlns:p14="http://schemas.microsoft.com/office/powerpoint/2010/main">
+        <mc:Choice Requires="p14">
           <p:contentPart p14:bwMode="auto" r:id="rId18">
             <p14:nvContentPartPr>
               <p14:cNvPr id="26" name="Ink 25">
@@ -16639,7 +17170,7 @@
             </p14:xfrm>
           </p:contentPart>
         </mc:Choice>
-        <mc:Fallback>
+        <mc:Fallback xmlns="">
           <p:pic>
             <p:nvPicPr>
               <p:cNvPr id="26" name="Ink 25">
@@ -16670,8 +17201,8 @@
           </p:pic>
         </mc:Fallback>
       </mc:AlternateContent>
-      <mc:AlternateContent xmlns:mc="http://schemas.openxmlformats.org/markup-compatibility/2006">
-        <mc:Choice xmlns:p14="http://schemas.microsoft.com/office/powerpoint/2010/main" Requires="p14">
+      <mc:AlternateContent xmlns:mc="http://schemas.openxmlformats.org/markup-compatibility/2006" xmlns:p14="http://schemas.microsoft.com/office/powerpoint/2010/main">
+        <mc:Choice Requires="p14">
           <p:contentPart p14:bwMode="auto" r:id="rId20">
             <p14:nvContentPartPr>
               <p14:cNvPr id="25" name="Ink 24">
@@ -16690,7 +17221,7 @@
             </p14:xfrm>
           </p:contentPart>
         </mc:Choice>
-        <mc:Fallback>
+        <mc:Fallback xmlns="">
           <p:pic>
             <p:nvPicPr>
               <p:cNvPr id="25" name="Ink 24">
@@ -16721,8 +17252,8 @@
           </p:pic>
         </mc:Fallback>
       </mc:AlternateContent>
-      <mc:AlternateContent xmlns:mc="http://schemas.openxmlformats.org/markup-compatibility/2006">
-        <mc:Choice xmlns:p14="http://schemas.microsoft.com/office/powerpoint/2010/main" Requires="p14">
+      <mc:AlternateContent xmlns:mc="http://schemas.openxmlformats.org/markup-compatibility/2006" xmlns:p14="http://schemas.microsoft.com/office/powerpoint/2010/main">
+        <mc:Choice Requires="p14">
           <p:contentPart p14:bwMode="auto" r:id="rId22">
             <p14:nvContentPartPr>
               <p14:cNvPr id="24" name="Ink 23">
@@ -16741,7 +17272,7 @@
             </p14:xfrm>
           </p:contentPart>
         </mc:Choice>
-        <mc:Fallback>
+        <mc:Fallback xmlns="">
           <p:pic>
             <p:nvPicPr>
               <p:cNvPr id="24" name="Ink 23">
@@ -16772,8 +17303,8 @@
           </p:pic>
         </mc:Fallback>
       </mc:AlternateContent>
-      <mc:AlternateContent xmlns:mc="http://schemas.openxmlformats.org/markup-compatibility/2006">
-        <mc:Choice xmlns:p14="http://schemas.microsoft.com/office/powerpoint/2010/main" Requires="p14">
+      <mc:AlternateContent xmlns:mc="http://schemas.openxmlformats.org/markup-compatibility/2006" xmlns:p14="http://schemas.microsoft.com/office/powerpoint/2010/main">
+        <mc:Choice Requires="p14">
           <p:contentPart p14:bwMode="auto" r:id="rId24">
             <p14:nvContentPartPr>
               <p14:cNvPr id="16" name="Ink 15">
@@ -16792,7 +17323,7 @@
             </p14:xfrm>
           </p:contentPart>
         </mc:Choice>
-        <mc:Fallback>
+        <mc:Fallback xmlns="">
           <p:pic>
             <p:nvPicPr>
               <p:cNvPr id="16" name="Ink 15">
@@ -16823,8 +17354,8 @@
           </p:pic>
         </mc:Fallback>
       </mc:AlternateContent>
-      <mc:AlternateContent xmlns:mc="http://schemas.openxmlformats.org/markup-compatibility/2006">
-        <mc:Choice xmlns:p14="http://schemas.microsoft.com/office/powerpoint/2010/main" Requires="p14">
+      <mc:AlternateContent xmlns:mc="http://schemas.openxmlformats.org/markup-compatibility/2006" xmlns:p14="http://schemas.microsoft.com/office/powerpoint/2010/main">
+        <mc:Choice Requires="p14">
           <p:contentPart p14:bwMode="auto" r:id="rId26">
             <p14:nvContentPartPr>
               <p14:cNvPr id="15" name="Ink 14">
@@ -16843,7 +17374,7 @@
             </p14:xfrm>
           </p:contentPart>
         </mc:Choice>
-        <mc:Fallback>
+        <mc:Fallback xmlns="">
           <p:pic>
             <p:nvPicPr>
               <p:cNvPr id="15" name="Ink 14">
@@ -16874,8 +17405,8 @@
           </p:pic>
         </mc:Fallback>
       </mc:AlternateContent>
-      <mc:AlternateContent xmlns:mc="http://schemas.openxmlformats.org/markup-compatibility/2006">
-        <mc:Choice xmlns:p14="http://schemas.microsoft.com/office/powerpoint/2010/main" Requires="p14">
+      <mc:AlternateContent xmlns:mc="http://schemas.openxmlformats.org/markup-compatibility/2006" xmlns:p14="http://schemas.microsoft.com/office/powerpoint/2010/main">
+        <mc:Choice Requires="p14">
           <p:contentPart p14:bwMode="auto" r:id="rId28">
             <p14:nvContentPartPr>
               <p14:cNvPr id="31" name="Ink 30">
@@ -16894,7 +17425,7 @@
             </p14:xfrm>
           </p:contentPart>
         </mc:Choice>
-        <mc:Fallback>
+        <mc:Fallback xmlns="">
           <p:pic>
             <p:nvPicPr>
               <p:cNvPr id="31" name="Ink 30">
@@ -16925,8 +17456,8 @@
           </p:pic>
         </mc:Fallback>
       </mc:AlternateContent>
-      <mc:AlternateContent xmlns:mc="http://schemas.openxmlformats.org/markup-compatibility/2006">
-        <mc:Choice xmlns:p14="http://schemas.microsoft.com/office/powerpoint/2010/main" Requires="p14">
+      <mc:AlternateContent xmlns:mc="http://schemas.openxmlformats.org/markup-compatibility/2006" xmlns:p14="http://schemas.microsoft.com/office/powerpoint/2010/main">
+        <mc:Choice Requires="p14">
           <p:contentPart p14:bwMode="auto" r:id="rId30">
             <p14:nvContentPartPr>
               <p14:cNvPr id="32" name="Ink 31">
@@ -16945,7 +17476,7 @@
             </p14:xfrm>
           </p:contentPart>
         </mc:Choice>
-        <mc:Fallback>
+        <mc:Fallback xmlns="">
           <p:pic>
             <p:nvPicPr>
               <p:cNvPr id="32" name="Ink 31">
@@ -16976,8 +17507,8 @@
           </p:pic>
         </mc:Fallback>
       </mc:AlternateContent>
-      <mc:AlternateContent xmlns:mc="http://schemas.openxmlformats.org/markup-compatibility/2006">
-        <mc:Choice xmlns:p14="http://schemas.microsoft.com/office/powerpoint/2010/main" Requires="p14">
+      <mc:AlternateContent xmlns:mc="http://schemas.openxmlformats.org/markup-compatibility/2006" xmlns:p14="http://schemas.microsoft.com/office/powerpoint/2010/main">
+        <mc:Choice Requires="p14">
           <p:contentPart p14:bwMode="auto" r:id="rId31">
             <p14:nvContentPartPr>
               <p14:cNvPr id="33" name="Ink 32">
@@ -16996,7 +17527,7 @@
             </p14:xfrm>
           </p:contentPart>
         </mc:Choice>
-        <mc:Fallback>
+        <mc:Fallback xmlns="">
           <p:pic>
             <p:nvPicPr>
               <p:cNvPr id="33" name="Ink 32">
@@ -17027,8 +17558,8 @@
           </p:pic>
         </mc:Fallback>
       </mc:AlternateContent>
-      <mc:AlternateContent xmlns:mc="http://schemas.openxmlformats.org/markup-compatibility/2006">
-        <mc:Choice xmlns:p14="http://schemas.microsoft.com/office/powerpoint/2010/main" Requires="p14">
+      <mc:AlternateContent xmlns:mc="http://schemas.openxmlformats.org/markup-compatibility/2006" xmlns:p14="http://schemas.microsoft.com/office/powerpoint/2010/main">
+        <mc:Choice Requires="p14">
           <p:contentPart p14:bwMode="auto" r:id="rId32">
             <p14:nvContentPartPr>
               <p14:cNvPr id="34" name="Ink 33">
@@ -17047,7 +17578,7 @@
             </p14:xfrm>
           </p:contentPart>
         </mc:Choice>
-        <mc:Fallback>
+        <mc:Fallback xmlns="">
           <p:pic>
             <p:nvPicPr>
               <p:cNvPr id="34" name="Ink 33">
@@ -17222,7 +17753,7 @@
 </p:sld>
 </file>
 
-<file path=ppt/slides/slide5.xml><?xml version="1.0" encoding="utf-8"?>
+<file path=ppt/slides/slide6.xml><?xml version="1.0" encoding="utf-8"?>
 <p:sld xmlns:a="http://schemas.openxmlformats.org/drawingml/2006/main" xmlns:r="http://schemas.openxmlformats.org/officeDocument/2006/relationships" xmlns:p="http://schemas.openxmlformats.org/presentationml/2006/main">
   <p:cSld>
     <p:spTree>
@@ -17429,8 +17960,8 @@
           </p:pic>
         </mc:Fallback>
       </mc:AlternateContent>
-      <mc:AlternateContent xmlns:mc="http://schemas.openxmlformats.org/markup-compatibility/2006">
-        <mc:Choice xmlns:p14="http://schemas.microsoft.com/office/powerpoint/2010/main" Requires="p14">
+      <mc:AlternateContent xmlns:mc="http://schemas.openxmlformats.org/markup-compatibility/2006" xmlns:p14="http://schemas.microsoft.com/office/powerpoint/2010/main">
+        <mc:Choice Requires="p14">
           <p:contentPart p14:bwMode="auto" r:id="rId6">
             <p14:nvContentPartPr>
               <p14:cNvPr id="20" name="Ink 19">
@@ -17449,7 +17980,7 @@
             </p14:xfrm>
           </p:contentPart>
         </mc:Choice>
-        <mc:Fallback>
+        <mc:Fallback xmlns="">
           <p:pic>
             <p:nvPicPr>
               <p:cNvPr id="20" name="Ink 19">
@@ -17480,8 +18011,8 @@
           </p:pic>
         </mc:Fallback>
       </mc:AlternateContent>
-      <mc:AlternateContent xmlns:mc="http://schemas.openxmlformats.org/markup-compatibility/2006">
-        <mc:Choice xmlns:p14="http://schemas.microsoft.com/office/powerpoint/2010/main" Requires="p14">
+      <mc:AlternateContent xmlns:mc="http://schemas.openxmlformats.org/markup-compatibility/2006" xmlns:p14="http://schemas.microsoft.com/office/powerpoint/2010/main">
+        <mc:Choice Requires="p14">
           <p:contentPart p14:bwMode="auto" r:id="rId8">
             <p14:nvContentPartPr>
               <p14:cNvPr id="19" name="Ink 18">
@@ -17500,7 +18031,7 @@
             </p14:xfrm>
           </p:contentPart>
         </mc:Choice>
-        <mc:Fallback>
+        <mc:Fallback xmlns="">
           <p:pic>
             <p:nvPicPr>
               <p:cNvPr id="19" name="Ink 18">
@@ -17531,8 +18062,8 @@
           </p:pic>
         </mc:Fallback>
       </mc:AlternateContent>
-      <mc:AlternateContent xmlns:mc="http://schemas.openxmlformats.org/markup-compatibility/2006">
-        <mc:Choice xmlns:p14="http://schemas.microsoft.com/office/powerpoint/2010/main" Requires="p14">
+      <mc:AlternateContent xmlns:mc="http://schemas.openxmlformats.org/markup-compatibility/2006" xmlns:p14="http://schemas.microsoft.com/office/powerpoint/2010/main">
+        <mc:Choice Requires="p14">
           <p:contentPart p14:bwMode="auto" r:id="rId10">
             <p14:nvContentPartPr>
               <p14:cNvPr id="14" name="Ink 13">
@@ -17551,7 +18082,7 @@
             </p14:xfrm>
           </p:contentPart>
         </mc:Choice>
-        <mc:Fallback>
+        <mc:Fallback xmlns="">
           <p:pic>
             <p:nvPicPr>
               <p:cNvPr id="14" name="Ink 13">
@@ -17582,8 +18113,8 @@
           </p:pic>
         </mc:Fallback>
       </mc:AlternateContent>
-      <mc:AlternateContent xmlns:mc="http://schemas.openxmlformats.org/markup-compatibility/2006">
-        <mc:Choice xmlns:p14="http://schemas.microsoft.com/office/powerpoint/2010/main" Requires="p14">
+      <mc:AlternateContent xmlns:mc="http://schemas.openxmlformats.org/markup-compatibility/2006" xmlns:p14="http://schemas.microsoft.com/office/powerpoint/2010/main">
+        <mc:Choice Requires="p14">
           <p:contentPart p14:bwMode="auto" r:id="rId12">
             <p14:nvContentPartPr>
               <p14:cNvPr id="13" name="Ink 12">
@@ -17602,7 +18133,7 @@
             </p14:xfrm>
           </p:contentPart>
         </mc:Choice>
-        <mc:Fallback>
+        <mc:Fallback xmlns="">
           <p:pic>
             <p:nvPicPr>
               <p:cNvPr id="13" name="Ink 12">
@@ -17633,8 +18164,8 @@
           </p:pic>
         </mc:Fallback>
       </mc:AlternateContent>
-      <mc:AlternateContent xmlns:mc="http://schemas.openxmlformats.org/markup-compatibility/2006">
-        <mc:Choice xmlns:p14="http://schemas.microsoft.com/office/powerpoint/2010/main" Requires="p14">
+      <mc:AlternateContent xmlns:mc="http://schemas.openxmlformats.org/markup-compatibility/2006" xmlns:p14="http://schemas.microsoft.com/office/powerpoint/2010/main">
+        <mc:Choice Requires="p14">
           <p:contentPart p14:bwMode="auto" r:id="rId14">
             <p14:nvContentPartPr>
               <p14:cNvPr id="18" name="Ink 17">
@@ -17653,7 +18184,7 @@
             </p14:xfrm>
           </p:contentPart>
         </mc:Choice>
-        <mc:Fallback>
+        <mc:Fallback xmlns="">
           <p:pic>
             <p:nvPicPr>
               <p:cNvPr id="18" name="Ink 17">
@@ -17684,8 +18215,8 @@
           </p:pic>
         </mc:Fallback>
       </mc:AlternateContent>
-      <mc:AlternateContent xmlns:mc="http://schemas.openxmlformats.org/markup-compatibility/2006">
-        <mc:Choice xmlns:p14="http://schemas.microsoft.com/office/powerpoint/2010/main" Requires="p14">
+      <mc:AlternateContent xmlns:mc="http://schemas.openxmlformats.org/markup-compatibility/2006" xmlns:p14="http://schemas.microsoft.com/office/powerpoint/2010/main">
+        <mc:Choice Requires="p14">
           <p:contentPart p14:bwMode="auto" r:id="rId16">
             <p14:nvContentPartPr>
               <p14:cNvPr id="17" name="Ink 16">
@@ -17704,7 +18235,7 @@
             </p14:xfrm>
           </p:contentPart>
         </mc:Choice>
-        <mc:Fallback>
+        <mc:Fallback xmlns="">
           <p:pic>
             <p:nvPicPr>
               <p:cNvPr id="17" name="Ink 16">
@@ -17735,8 +18266,8 @@
           </p:pic>
         </mc:Fallback>
       </mc:AlternateContent>
-      <mc:AlternateContent xmlns:mc="http://schemas.openxmlformats.org/markup-compatibility/2006">
-        <mc:Choice xmlns:p14="http://schemas.microsoft.com/office/powerpoint/2010/main" Requires="p14">
+      <mc:AlternateContent xmlns:mc="http://schemas.openxmlformats.org/markup-compatibility/2006" xmlns:p14="http://schemas.microsoft.com/office/powerpoint/2010/main">
+        <mc:Choice Requires="p14">
           <p:contentPart p14:bwMode="auto" r:id="rId18">
             <p14:nvContentPartPr>
               <p14:cNvPr id="16" name="Ink 15">
@@ -17755,7 +18286,7 @@
             </p14:xfrm>
           </p:contentPart>
         </mc:Choice>
-        <mc:Fallback>
+        <mc:Fallback xmlns="">
           <p:pic>
             <p:nvPicPr>
               <p:cNvPr id="16" name="Ink 15">
@@ -17786,8 +18317,8 @@
           </p:pic>
         </mc:Fallback>
       </mc:AlternateContent>
-      <mc:AlternateContent xmlns:mc="http://schemas.openxmlformats.org/markup-compatibility/2006">
-        <mc:Choice xmlns:p14="http://schemas.microsoft.com/office/powerpoint/2010/main" Requires="p14">
+      <mc:AlternateContent xmlns:mc="http://schemas.openxmlformats.org/markup-compatibility/2006" xmlns:p14="http://schemas.microsoft.com/office/powerpoint/2010/main">
+        <mc:Choice Requires="p14">
           <p:contentPart p14:bwMode="auto" r:id="rId20">
             <p14:nvContentPartPr>
               <p14:cNvPr id="15" name="Ink 14">
@@ -17806,7 +18337,7 @@
             </p14:xfrm>
           </p:contentPart>
         </mc:Choice>
-        <mc:Fallback>
+        <mc:Fallback xmlns="">
           <p:pic>
             <p:nvPicPr>
               <p:cNvPr id="15" name="Ink 14">
@@ -17974,7 +18505,7 @@
 </p:sld>
 </file>
 
-<file path=ppt/slides/slide6.xml><?xml version="1.0" encoding="utf-8"?>
+<file path=ppt/slides/slide7.xml><?xml version="1.0" encoding="utf-8"?>
 <p:sld xmlns:a="http://schemas.openxmlformats.org/drawingml/2006/main" xmlns:r="http://schemas.openxmlformats.org/officeDocument/2006/relationships" xmlns:p="http://schemas.openxmlformats.org/presentationml/2006/main">
   <p:cSld>
     <p:spTree>
@@ -18181,8 +18712,8 @@
           </p:pic>
         </mc:Fallback>
       </mc:AlternateContent>
-      <mc:AlternateContent xmlns:mc="http://schemas.openxmlformats.org/markup-compatibility/2006">
-        <mc:Choice xmlns:p14="http://schemas.microsoft.com/office/powerpoint/2010/main" Requires="p14">
+      <mc:AlternateContent xmlns:mc="http://schemas.openxmlformats.org/markup-compatibility/2006" xmlns:p14="http://schemas.microsoft.com/office/powerpoint/2010/main">
+        <mc:Choice Requires="p14">
           <p:contentPart p14:bwMode="auto" r:id="rId6">
             <p14:nvContentPartPr>
               <p14:cNvPr id="8" name="Ink 7">
@@ -18201,7 +18732,7 @@
             </p14:xfrm>
           </p:contentPart>
         </mc:Choice>
-        <mc:Fallback>
+        <mc:Fallback xmlns="">
           <p:pic>
             <p:nvPicPr>
               <p:cNvPr id="8" name="Ink 7">
@@ -18232,8 +18763,8 @@
           </p:pic>
         </mc:Fallback>
       </mc:AlternateContent>
-      <mc:AlternateContent xmlns:mc="http://schemas.openxmlformats.org/markup-compatibility/2006">
-        <mc:Choice xmlns:p14="http://schemas.microsoft.com/office/powerpoint/2010/main" Requires="p14">
+      <mc:AlternateContent xmlns:mc="http://schemas.openxmlformats.org/markup-compatibility/2006" xmlns:p14="http://schemas.microsoft.com/office/powerpoint/2010/main">
+        <mc:Choice Requires="p14">
           <p:contentPart p14:bwMode="auto" r:id="rId8">
             <p14:nvContentPartPr>
               <p14:cNvPr id="7" name="Ink 6">
@@ -18252,7 +18783,7 @@
             </p14:xfrm>
           </p:contentPart>
         </mc:Choice>
-        <mc:Fallback>
+        <mc:Fallback xmlns="">
           <p:pic>
             <p:nvPicPr>
               <p:cNvPr id="7" name="Ink 6">
@@ -18419,7 +18950,7 @@
 </p:sld>
 </file>
 
-<file path=ppt/slides/slide7.xml><?xml version="1.0" encoding="utf-8"?>
+<file path=ppt/slides/slide8.xml><?xml version="1.0" encoding="utf-8"?>
 <p:sld xmlns:a="http://schemas.openxmlformats.org/drawingml/2006/main" xmlns:r="http://schemas.openxmlformats.org/officeDocument/2006/relationships" xmlns:p="http://schemas.openxmlformats.org/presentationml/2006/main">
   <p:cSld>
     <p:spTree>
@@ -18626,8 +19157,8 @@
           </p:pic>
         </mc:Fallback>
       </mc:AlternateContent>
-      <mc:AlternateContent xmlns:mc="http://schemas.openxmlformats.org/markup-compatibility/2006">
-        <mc:Choice xmlns:p14="http://schemas.microsoft.com/office/powerpoint/2010/main" Requires="p14">
+      <mc:AlternateContent xmlns:mc="http://schemas.openxmlformats.org/markup-compatibility/2006" xmlns:p14="http://schemas.microsoft.com/office/powerpoint/2010/main">
+        <mc:Choice Requires="p14">
           <p:contentPart p14:bwMode="auto" r:id="rId6">
             <p14:nvContentPartPr>
               <p14:cNvPr id="8" name="Ink 7">
@@ -18646,7 +19177,7 @@
             </p14:xfrm>
           </p:contentPart>
         </mc:Choice>
-        <mc:Fallback>
+        <mc:Fallback xmlns="">
           <p:pic>
             <p:nvPicPr>
               <p:cNvPr id="8" name="Ink 7">
@@ -18677,8 +19208,8 @@
           </p:pic>
         </mc:Fallback>
       </mc:AlternateContent>
-      <mc:AlternateContent xmlns:mc="http://schemas.openxmlformats.org/markup-compatibility/2006">
-        <mc:Choice xmlns:p14="http://schemas.microsoft.com/office/powerpoint/2010/main" Requires="p14">
+      <mc:AlternateContent xmlns:mc="http://schemas.openxmlformats.org/markup-compatibility/2006" xmlns:p14="http://schemas.microsoft.com/office/powerpoint/2010/main">
+        <mc:Choice Requires="p14">
           <p:contentPart p14:bwMode="auto" r:id="rId8">
             <p14:nvContentPartPr>
               <p14:cNvPr id="12" name="Ink 11">
@@ -18697,7 +19228,7 @@
             </p14:xfrm>
           </p:contentPart>
         </mc:Choice>
-        <mc:Fallback>
+        <mc:Fallback xmlns="">
           <p:pic>
             <p:nvPicPr>
               <p:cNvPr id="12" name="Ink 11">
@@ -18728,8 +19259,8 @@
           </p:pic>
         </mc:Fallback>
       </mc:AlternateContent>
-      <mc:AlternateContent xmlns:mc="http://schemas.openxmlformats.org/markup-compatibility/2006">
-        <mc:Choice xmlns:p14="http://schemas.microsoft.com/office/powerpoint/2010/main" Requires="p14">
+      <mc:AlternateContent xmlns:mc="http://schemas.openxmlformats.org/markup-compatibility/2006" xmlns:p14="http://schemas.microsoft.com/office/powerpoint/2010/main">
+        <mc:Choice Requires="p14">
           <p:contentPart p14:bwMode="auto" r:id="rId10">
             <p14:nvContentPartPr>
               <p14:cNvPr id="11" name="Ink 10">
@@ -18748,7 +19279,7 @@
             </p14:xfrm>
           </p:contentPart>
         </mc:Choice>
-        <mc:Fallback>
+        <mc:Fallback xmlns="">
           <p:pic>
             <p:nvPicPr>
               <p:cNvPr id="11" name="Ink 10">
@@ -18779,8 +19310,8 @@
           </p:pic>
         </mc:Fallback>
       </mc:AlternateContent>
-      <mc:AlternateContent xmlns:mc="http://schemas.openxmlformats.org/markup-compatibility/2006">
-        <mc:Choice xmlns:p14="http://schemas.microsoft.com/office/powerpoint/2010/main" Requires="p14">
+      <mc:AlternateContent xmlns:mc="http://schemas.openxmlformats.org/markup-compatibility/2006" xmlns:p14="http://schemas.microsoft.com/office/powerpoint/2010/main">
+        <mc:Choice Requires="p14">
           <p:contentPart p14:bwMode="auto" r:id="rId12">
             <p14:nvContentPartPr>
               <p14:cNvPr id="10" name="Ink 9">
@@ -18799,7 +19330,7 @@
             </p14:xfrm>
           </p:contentPart>
         </mc:Choice>
-        <mc:Fallback>
+        <mc:Fallback xmlns="">
           <p:pic>
             <p:nvPicPr>
               <p:cNvPr id="10" name="Ink 9">
@@ -18830,8 +19361,8 @@
           </p:pic>
         </mc:Fallback>
       </mc:AlternateContent>
-      <mc:AlternateContent xmlns:mc="http://schemas.openxmlformats.org/markup-compatibility/2006">
-        <mc:Choice xmlns:p14="http://schemas.microsoft.com/office/powerpoint/2010/main" Requires="p14">
+      <mc:AlternateContent xmlns:mc="http://schemas.openxmlformats.org/markup-compatibility/2006" xmlns:p14="http://schemas.microsoft.com/office/powerpoint/2010/main">
+        <mc:Choice Requires="p14">
           <p:contentPart p14:bwMode="auto" r:id="rId14">
             <p14:nvContentPartPr>
               <p14:cNvPr id="9" name="Ink 8">
@@ -18850,7 +19381,7 @@
             </p14:xfrm>
           </p:contentPart>
         </mc:Choice>
-        <mc:Fallback>
+        <mc:Fallback xmlns="">
           <p:pic>
             <p:nvPicPr>
               <p:cNvPr id="9" name="Ink 8">
@@ -18881,8 +19412,8 @@
           </p:pic>
         </mc:Fallback>
       </mc:AlternateContent>
-      <mc:AlternateContent xmlns:mc="http://schemas.openxmlformats.org/markup-compatibility/2006">
-        <mc:Choice xmlns:p14="http://schemas.microsoft.com/office/powerpoint/2010/main" Requires="p14">
+      <mc:AlternateContent xmlns:mc="http://schemas.openxmlformats.org/markup-compatibility/2006" xmlns:p14="http://schemas.microsoft.com/office/powerpoint/2010/main">
+        <mc:Choice Requires="p14">
           <p:contentPart p14:bwMode="auto" r:id="rId16">
             <p14:nvContentPartPr>
               <p14:cNvPr id="13" name="Ink 12">
@@ -18901,7 +19432,7 @@
             </p14:xfrm>
           </p:contentPart>
         </mc:Choice>
-        <mc:Fallback>
+        <mc:Fallback xmlns="">
           <p:pic>
             <p:nvPicPr>
               <p:cNvPr id="13" name="Ink 12">
@@ -19069,7 +19600,7 @@
 </p:sld>
 </file>
 
-<file path=ppt/slides/slide8.xml><?xml version="1.0" encoding="utf-8"?>
+<file path=ppt/slides/slide9.xml><?xml version="1.0" encoding="utf-8"?>
 <p:sld xmlns:a="http://schemas.openxmlformats.org/drawingml/2006/main" xmlns:r="http://schemas.openxmlformats.org/officeDocument/2006/relationships" xmlns:p="http://schemas.openxmlformats.org/presentationml/2006/main">
   <p:cSld>
     <p:spTree>
@@ -19399,8 +19930,8 @@
           </a:prstGeom>
         </p:spPr>
       </p:pic>
-      <mc:AlternateContent xmlns:mc="http://schemas.openxmlformats.org/markup-compatibility/2006">
-        <mc:Choice xmlns:p14="http://schemas.microsoft.com/office/powerpoint/2010/main" Requires="p14">
+      <mc:AlternateContent xmlns:mc="http://schemas.openxmlformats.org/markup-compatibility/2006" xmlns:p14="http://schemas.microsoft.com/office/powerpoint/2010/main">
+        <mc:Choice Requires="p14">
           <p:contentPart p14:bwMode="auto" r:id="rId7">
             <p14:nvContentPartPr>
               <p14:cNvPr id="10" name="Ink 9">
@@ -19419,7 +19950,7 @@
             </p14:xfrm>
           </p:contentPart>
         </mc:Choice>
-        <mc:Fallback>
+        <mc:Fallback xmlns="">
           <p:pic>
             <p:nvPicPr>
               <p:cNvPr id="10" name="Ink 9">
@@ -19450,8 +19981,8 @@
           </p:pic>
         </mc:Fallback>
       </mc:AlternateContent>
-      <mc:AlternateContent xmlns:mc="http://schemas.openxmlformats.org/markup-compatibility/2006">
-        <mc:Choice xmlns:p14="http://schemas.microsoft.com/office/powerpoint/2010/main" Requires="p14">
+      <mc:AlternateContent xmlns:mc="http://schemas.openxmlformats.org/markup-compatibility/2006" xmlns:p14="http://schemas.microsoft.com/office/powerpoint/2010/main">
+        <mc:Choice Requires="p14">
           <p:contentPart p14:bwMode="auto" r:id="rId9">
             <p14:nvContentPartPr>
               <p14:cNvPr id="11" name="Ink 10">
@@ -19470,7 +20001,7 @@
             </p14:xfrm>
           </p:contentPart>
         </mc:Choice>
-        <mc:Fallback>
+        <mc:Fallback xmlns="">
           <p:pic>
             <p:nvPicPr>
               <p:cNvPr id="11" name="Ink 10">
@@ -19501,8 +20032,8 @@
           </p:pic>
         </mc:Fallback>
       </mc:AlternateContent>
-      <mc:AlternateContent xmlns:mc="http://schemas.openxmlformats.org/markup-compatibility/2006">
-        <mc:Choice xmlns:p14="http://schemas.microsoft.com/office/powerpoint/2010/main" Requires="p14">
+      <mc:AlternateContent xmlns:mc="http://schemas.openxmlformats.org/markup-compatibility/2006" xmlns:p14="http://schemas.microsoft.com/office/powerpoint/2010/main">
+        <mc:Choice Requires="p14">
           <p:contentPart p14:bwMode="auto" r:id="rId11">
             <p14:nvContentPartPr>
               <p14:cNvPr id="12" name="Ink 11">
@@ -19521,7 +20052,7 @@
             </p14:xfrm>
           </p:contentPart>
         </mc:Choice>
-        <mc:Fallback>
+        <mc:Fallback xmlns="">
           <p:pic>
             <p:nvPicPr>
               <p:cNvPr id="12" name="Ink 11">
@@ -19552,8 +20083,8 @@
           </p:pic>
         </mc:Fallback>
       </mc:AlternateContent>
-      <mc:AlternateContent xmlns:mc="http://schemas.openxmlformats.org/markup-compatibility/2006">
-        <mc:Choice xmlns:p14="http://schemas.microsoft.com/office/powerpoint/2010/main" Requires="p14">
+      <mc:AlternateContent xmlns:mc="http://schemas.openxmlformats.org/markup-compatibility/2006" xmlns:p14="http://schemas.microsoft.com/office/powerpoint/2010/main">
+        <mc:Choice Requires="p14">
           <p:contentPart p14:bwMode="auto" r:id="rId12">
             <p14:nvContentPartPr>
               <p14:cNvPr id="13" name="Ink 12">
@@ -19572,7 +20103,7 @@
             </p14:xfrm>
           </p:contentPart>
         </mc:Choice>
-        <mc:Fallback>
+        <mc:Fallback xmlns="">
           <p:pic>
             <p:nvPicPr>
               <p:cNvPr id="13" name="Ink 12">
@@ -19603,8 +20134,8 @@
           </p:pic>
         </mc:Fallback>
       </mc:AlternateContent>
-      <mc:AlternateContent xmlns:mc="http://schemas.openxmlformats.org/markup-compatibility/2006">
-        <mc:Choice xmlns:p14="http://schemas.microsoft.com/office/powerpoint/2010/main" Requires="p14">
+      <mc:AlternateContent xmlns:mc="http://schemas.openxmlformats.org/markup-compatibility/2006" xmlns:p14="http://schemas.microsoft.com/office/powerpoint/2010/main">
+        <mc:Choice Requires="p14">
           <p:contentPart p14:bwMode="auto" r:id="rId13">
             <p14:nvContentPartPr>
               <p14:cNvPr id="14" name="Ink 13">
@@ -19623,7 +20154,7 @@
             </p14:xfrm>
           </p:contentPart>
         </mc:Choice>
-        <mc:Fallback>
+        <mc:Fallback xmlns="">
           <p:pic>
             <p:nvPicPr>
               <p:cNvPr id="14" name="Ink 13">
@@ -19654,8 +20185,8 @@
           </p:pic>
         </mc:Fallback>
       </mc:AlternateContent>
-      <mc:AlternateContent xmlns:mc="http://schemas.openxmlformats.org/markup-compatibility/2006">
-        <mc:Choice xmlns:p14="http://schemas.microsoft.com/office/powerpoint/2010/main" Requires="p14">
+      <mc:AlternateContent xmlns:mc="http://schemas.openxmlformats.org/markup-compatibility/2006" xmlns:p14="http://schemas.microsoft.com/office/powerpoint/2010/main">
+        <mc:Choice Requires="p14">
           <p:contentPart p14:bwMode="auto" r:id="rId14">
             <p14:nvContentPartPr>
               <p14:cNvPr id="16" name="Ink 15">
@@ -19674,7 +20205,7 @@
             </p14:xfrm>
           </p:contentPart>
         </mc:Choice>
-        <mc:Fallback>
+        <mc:Fallback xmlns="">
           <p:pic>
             <p:nvPicPr>
               <p:cNvPr id="16" name="Ink 15">
@@ -19705,8 +20236,8 @@
           </p:pic>
         </mc:Fallback>
       </mc:AlternateContent>
-      <mc:AlternateContent xmlns:mc="http://schemas.openxmlformats.org/markup-compatibility/2006">
-        <mc:Choice xmlns:p14="http://schemas.microsoft.com/office/powerpoint/2010/main" Requires="p14">
+      <mc:AlternateContent xmlns:mc="http://schemas.openxmlformats.org/markup-compatibility/2006" xmlns:p14="http://schemas.microsoft.com/office/powerpoint/2010/main">
+        <mc:Choice Requires="p14">
           <p:contentPart p14:bwMode="auto" r:id="rId16">
             <p14:nvContentPartPr>
               <p14:cNvPr id="17" name="Ink 16">
@@ -19725,7 +20256,7 @@
             </p14:xfrm>
           </p:contentPart>
         </mc:Choice>
-        <mc:Fallback>
+        <mc:Fallback xmlns="">
           <p:pic>
             <p:nvPicPr>
               <p:cNvPr id="17" name="Ink 16">
@@ -19760,502 +20291,6 @@
     <p:extLst>
       <p:ext uri="{BB962C8B-B14F-4D97-AF65-F5344CB8AC3E}">
         <p14:creationId xmlns:p14="http://schemas.microsoft.com/office/powerpoint/2010/main" val="902623963"/>
-      </p:ext>
-    </p:extLst>
-  </p:cSld>
-  <p:clrMapOvr>
-    <a:masterClrMapping/>
-  </p:clrMapOvr>
-</p:sld>
-</file>
-
-<file path=ppt/slides/slide9.xml><?xml version="1.0" encoding="utf-8"?>
-<p:sld xmlns:a="http://schemas.openxmlformats.org/drawingml/2006/main" xmlns:r="http://schemas.openxmlformats.org/officeDocument/2006/relationships" xmlns:p="http://schemas.openxmlformats.org/presentationml/2006/main">
-  <p:cSld>
-    <p:spTree>
-      <p:nvGrpSpPr>
-        <p:cNvPr id="1" name=""/>
-        <p:cNvGrpSpPr/>
-        <p:nvPr/>
-      </p:nvGrpSpPr>
-      <p:grpSpPr>
-        <a:xfrm>
-          <a:off x="0" y="0"/>
-          <a:ext cx="0" cy="0"/>
-          <a:chOff x="0" y="0"/>
-          <a:chExt cx="0" cy="0"/>
-        </a:xfrm>
-      </p:grpSpPr>
-      <p:pic>
-        <p:nvPicPr>
-          <p:cNvPr id="2" name="Picture 1" descr="A hand with a finger extended&#10;&#10;Description automatically generated with low confidence">
-            <a:extLst>
-              <a:ext uri="{FF2B5EF4-FFF2-40B4-BE49-F238E27FC236}">
-                <a16:creationId xmlns:a16="http://schemas.microsoft.com/office/drawing/2014/main" id="{1D0C0203-DA8A-14DD-8D82-251E1602F506}"/>
-              </a:ext>
-            </a:extLst>
-          </p:cNvPr>
-          <p:cNvPicPr>
-            <a:picLocks noChangeAspect="1"/>
-          </p:cNvPicPr>
-          <p:nvPr/>
-        </p:nvPicPr>
-        <p:blipFill>
-          <a:blip r:embed="rId2">
-            <a:extLst>
-              <a:ext uri="{BEBA8EAE-BF5A-486C-A8C5-ECC9F3942E4B}">
-                <a14:imgProps xmlns:a14="http://schemas.microsoft.com/office/drawing/2010/main">
-                  <a14:imgLayer r:embed="rId3">
-                    <a14:imgEffect>
-                      <a14:backgroundRemoval t="1778" b="98667" l="9778" r="89778">
-                        <a14:foregroundMark x1="53778" y1="9778" x2="53778" y2="9778"/>
-                        <a14:foregroundMark x1="54667" y1="2222" x2="54667" y2="2222"/>
-                        <a14:foregroundMark x1="56000" y1="91556" x2="56889" y2="93333"/>
-                        <a14:foregroundMark x1="57333" y1="98667" x2="57333" y2="98667"/>
-                      </a14:backgroundRemoval>
-                    </a14:imgEffect>
-                  </a14:imgLayer>
-                </a14:imgProps>
-              </a:ext>
-              <a:ext uri="{28A0092B-C50C-407E-A947-70E740481C1C}">
-                <a14:useLocalDpi xmlns:a14="http://schemas.microsoft.com/office/drawing/2010/main" val="0"/>
-              </a:ext>
-            </a:extLst>
-          </a:blip>
-          <a:stretch>
-            <a:fillRect/>
-          </a:stretch>
-        </p:blipFill>
-        <p:spPr>
-          <a:xfrm>
-            <a:off x="8964841" y="1113098"/>
-            <a:ext cx="2143125" cy="2143125"/>
-          </a:xfrm>
-          <a:prstGeom prst="round2DiagRect">
-            <a:avLst>
-              <a:gd name="adj1" fmla="val 16667"/>
-              <a:gd name="adj2" fmla="val 0"/>
-            </a:avLst>
-          </a:prstGeom>
-          <a:ln w="88900" cap="sq">
-            <a:solidFill>
-              <a:srgbClr val="FFFFFF"/>
-            </a:solidFill>
-            <a:miter lim="800000"/>
-          </a:ln>
-          <a:effectLst>
-            <a:outerShdw blurRad="254000" algn="tl" rotWithShape="0">
-              <a:srgbClr val="000000">
-                <a:alpha val="43000"/>
-              </a:srgbClr>
-            </a:outerShdw>
-          </a:effectLst>
-        </p:spPr>
-      </p:pic>
-      <mc:AlternateContent xmlns:mc="http://schemas.openxmlformats.org/markup-compatibility/2006">
-        <mc:Choice xmlns:am3d="http://schemas.microsoft.com/office/drawing/2017/model3d" Requires="am3d">
-          <p:graphicFrame>
-            <p:nvGraphicFramePr>
-              <p:cNvPr id="3" name="3D Model 2" descr="Duet car solid blue">
-                <a:extLst>
-                  <a:ext uri="{FF2B5EF4-FFF2-40B4-BE49-F238E27FC236}">
-                    <a16:creationId xmlns:a16="http://schemas.microsoft.com/office/drawing/2014/main" id="{FEC09469-F077-0AD0-0C03-0F57F94D89A4}"/>
-                  </a:ext>
-                </a:extLst>
-              </p:cNvPr>
-              <p:cNvGraphicFramePr>
-                <a:graphicFrameLocks noChangeAspect="1"/>
-              </p:cNvGraphicFramePr>
-              <p:nvPr>
-                <p:extLst>
-                  <p:ext uri="{D42A27DB-BD31-4B8C-83A1-F6EECF244321}">
-                    <p14:modId xmlns:p14="http://schemas.microsoft.com/office/powerpoint/2010/main" val="1166337915"/>
-                  </p:ext>
-                </p:extLst>
-              </p:nvPr>
-            </p:nvGraphicFramePr>
-            <p:xfrm>
-              <a:off x="503792" y="163455"/>
-              <a:ext cx="4055035" cy="3940809"/>
-            </p:xfrm>
-            <a:graphic>
-              <a:graphicData uri="http://schemas.microsoft.com/office/drawing/2017/model3d">
-                <am3d:model3d r:embed="rId4">
-                  <am3d:spPr>
-                    <a:xfrm>
-                      <a:off x="0" y="0"/>
-                      <a:ext cx="4055035" cy="3940809"/>
-                    </a:xfrm>
-                    <a:prstGeom prst="rect">
-                      <a:avLst/>
-                    </a:prstGeom>
-                  </am3d:spPr>
-                  <am3d:camera>
-                    <am3d:pos x="0" y="0" z="59072593"/>
-                    <am3d:up dx="0" dy="36000000" dz="0"/>
-                    <am3d:lookAt x="0" y="0" z="0"/>
-                    <am3d:perspective fov="2700000"/>
-                  </am3d:camera>
-                  <am3d:trans>
-                    <am3d:meterPerModelUnit n="37110217" d="1000000"/>
-                    <am3d:preTrans dx="-673" dy="-4010891" dz="-958042"/>
-                    <am3d:scale>
-                      <am3d:sx n="1000000" d="1000000"/>
-                      <am3d:sy n="1000000" d="1000000"/>
-                      <am3d:sz n="1000000" d="1000000"/>
-                    </am3d:scale>
-                    <am3d:rot ax="8700000" ay="-1800000" az="-9600000"/>
-                    <am3d:postTrans dx="0" dy="0" dz="0"/>
-                  </am3d:trans>
-                  <am3d:raster rName="Office3DRenderer" rVer="16.0.8326">
-                    <am3d:blip r:embed="rId5"/>
-                  </am3d:raster>
-                  <am3d:objViewport viewportSz="5254412"/>
-                  <am3d:ambientLight>
-                    <am3d:clr>
-                      <a:scrgbClr r="50000" g="50000" b="50000"/>
-                    </am3d:clr>
-                    <am3d:illuminance n="500000" d="1000000"/>
-                  </am3d:ambientLight>
-                  <am3d:ptLight rad="0">
-                    <am3d:clr>
-                      <a:scrgbClr r="100000" g="75000" b="50000"/>
-                    </am3d:clr>
-                    <am3d:intensity n="9765625" d="1000000"/>
-                    <am3d:pos x="21959998" y="70920001" z="16344003"/>
-                  </am3d:ptLight>
-                  <am3d:ptLight rad="0">
-                    <am3d:clr>
-                      <a:scrgbClr r="40000" g="60000" b="95000"/>
-                    </am3d:clr>
-                    <am3d:intensity n="12250000" d="1000000"/>
-                    <am3d:pos x="-37964106" y="51130435" z="57631972"/>
-                  </am3d:ptLight>
-                  <am3d:ptLight rad="0">
-                    <am3d:clr>
-                      <a:scrgbClr r="86837" g="72700" b="100000"/>
-                    </am3d:clr>
-                    <am3d:intensity n="3125000" d="1000000"/>
-                    <am3d:pos x="-37739122" y="58056624" z="-34769649"/>
-                  </am3d:ptLight>
-                </am3d:model3d>
-              </a:graphicData>
-            </a:graphic>
-          </p:graphicFrame>
-        </mc:Choice>
-        <mc:Fallback>
-          <p:pic>
-            <p:nvPicPr>
-              <p:cNvPr id="3" name="3D Model 2" descr="Duet car solid blue">
-                <a:extLst>
-                  <a:ext uri="{FF2B5EF4-FFF2-40B4-BE49-F238E27FC236}">
-                    <a16:creationId xmlns:a16="http://schemas.microsoft.com/office/drawing/2014/main" id="{FEC09469-F077-0AD0-0C03-0F57F94D89A4}"/>
-                  </a:ext>
-                </a:extLst>
-              </p:cNvPr>
-              <p:cNvPicPr>
-                <a:picLocks noGrp="1" noRot="1" noChangeAspect="1" noMove="1" noResize="1" noEditPoints="1" noAdjustHandles="1" noChangeArrowheads="1" noChangeShapeType="1" noCrop="1"/>
-              </p:cNvPicPr>
-              <p:nvPr/>
-            </p:nvPicPr>
-            <p:blipFill>
-              <a:blip r:embed="rId5"/>
-              <a:stretch>
-                <a:fillRect/>
-              </a:stretch>
-            </p:blipFill>
-            <p:spPr>
-              <a:xfrm>
-                <a:off x="503792" y="163455"/>
-                <a:ext cx="4055035" cy="3940809"/>
-              </a:xfrm>
-              <a:prstGeom prst="rect">
-                <a:avLst/>
-              </a:prstGeom>
-            </p:spPr>
-          </p:pic>
-        </mc:Fallback>
-      </mc:AlternateContent>
-      <p:sp>
-        <p:nvSpPr>
-          <p:cNvPr id="5" name="Oval 4">
-            <a:extLst>
-              <a:ext uri="{FF2B5EF4-FFF2-40B4-BE49-F238E27FC236}">
-                <a16:creationId xmlns:a16="http://schemas.microsoft.com/office/drawing/2014/main" id="{4ECE8709-68EF-B290-08B5-D45840806B72}"/>
-              </a:ext>
-            </a:extLst>
-          </p:cNvPr>
-          <p:cNvSpPr/>
-          <p:nvPr/>
-        </p:nvSpPr>
-        <p:spPr>
-          <a:xfrm>
-            <a:off x="5003801" y="1113098"/>
-            <a:ext cx="2590800" cy="783097"/>
-          </a:xfrm>
-          <a:prstGeom prst="ellipse">
-            <a:avLst/>
-          </a:prstGeom>
-          <a:solidFill>
-            <a:schemeClr val="bg1">
-              <a:lumMod val="75000"/>
-              <a:lumOff val="25000"/>
-            </a:schemeClr>
-          </a:solidFill>
-          <a:effectLst>
-            <a:glow rad="139700">
-              <a:schemeClr val="accent2">
-                <a:satMod val="175000"/>
-                <a:alpha val="40000"/>
-              </a:schemeClr>
-            </a:glow>
-          </a:effectLst>
-        </p:spPr>
-        <p:style>
-          <a:lnRef idx="1">
-            <a:schemeClr val="dk1"/>
-          </a:lnRef>
-          <a:fillRef idx="2">
-            <a:schemeClr val="dk1"/>
-          </a:fillRef>
-          <a:effectRef idx="1">
-            <a:schemeClr val="dk1"/>
-          </a:effectRef>
-          <a:fontRef idx="minor">
-            <a:schemeClr val="dk1"/>
-          </a:fontRef>
-        </p:style>
-        <p:txBody>
-          <a:bodyPr rtlCol="0" anchor="ctr"/>
-          <a:lstStyle/>
-          <a:p>
-            <a:pPr algn="ctr"/>
-            <a:r>
-              <a:rPr lang="en-US" sz="2000" b="1" dirty="0">
-                <a:ln w="12700">
-                  <a:solidFill>
-                    <a:schemeClr val="tx2">
-                      <a:lumMod val="75000"/>
-                    </a:schemeClr>
-                  </a:solidFill>
-                  <a:prstDash val="solid"/>
-                </a:ln>
-                <a:pattFill prst="dkUpDiag">
-                  <a:fgClr>
-                    <a:schemeClr val="tx2"/>
-                  </a:fgClr>
-                  <a:bgClr>
-                    <a:schemeClr val="tx2">
-                      <a:lumMod val="20000"/>
-                      <a:lumOff val="80000"/>
-                    </a:schemeClr>
-                  </a:bgClr>
-                </a:pattFill>
-                <a:effectLst>
-                  <a:outerShdw dist="38100" dir="2640000" algn="bl" rotWithShape="0">
-                    <a:schemeClr val="tx2">
-                      <a:lumMod val="75000"/>
-                    </a:schemeClr>
-                  </a:outerShdw>
-                </a:effectLst>
-              </a:rPr>
-              <a:t>Double Speed</a:t>
-            </a:r>
-          </a:p>
-        </p:txBody>
-      </p:sp>
-      <p:pic>
-        <p:nvPicPr>
-          <p:cNvPr id="7" name="Picture 6" descr="A picture containing text, clock&#10;&#10;Description automatically generated">
-            <a:extLst>
-              <a:ext uri="{FF2B5EF4-FFF2-40B4-BE49-F238E27FC236}">
-                <a16:creationId xmlns:a16="http://schemas.microsoft.com/office/drawing/2014/main" id="{17A1B1D6-2C64-D85B-2C38-6C5FC3182783}"/>
-              </a:ext>
-            </a:extLst>
-          </p:cNvPr>
-          <p:cNvPicPr>
-            <a:picLocks noChangeAspect="1"/>
-          </p:cNvPicPr>
-          <p:nvPr/>
-        </p:nvPicPr>
-        <p:blipFill rotWithShape="1">
-          <a:blip r:embed="rId6">
-            <a:extLst>
-              <a:ext uri="{28A0092B-C50C-407E-A947-70E740481C1C}">
-                <a14:useLocalDpi xmlns:a14="http://schemas.microsoft.com/office/drawing/2010/main" val="0"/>
-              </a:ext>
-            </a:extLst>
-          </a:blip>
-          <a:srcRect t="7106"/>
-          <a:stretch/>
-        </p:blipFill>
-        <p:spPr>
-          <a:xfrm>
-            <a:off x="1107694" y="4792134"/>
-            <a:ext cx="4101156" cy="1024466"/>
-          </a:xfrm>
-          <a:prstGeom prst="rect">
-            <a:avLst/>
-          </a:prstGeom>
-        </p:spPr>
-      </p:pic>
-      <mc:AlternateContent xmlns:mc="http://schemas.openxmlformats.org/markup-compatibility/2006">
-        <mc:Choice xmlns:p14="http://schemas.microsoft.com/office/powerpoint/2010/main" Requires="p14">
-          <p:contentPart p14:bwMode="auto" r:id="rId7">
-            <p14:nvContentPartPr>
-              <p14:cNvPr id="8" name="Ink 7">
-                <a:extLst>
-                  <a:ext uri="{FF2B5EF4-FFF2-40B4-BE49-F238E27FC236}">
-                    <a16:creationId xmlns:a16="http://schemas.microsoft.com/office/drawing/2014/main" id="{EAC4F8C9-FEFD-AFD6-C845-D7C2A3752158}"/>
-                  </a:ext>
-                </a:extLst>
-              </p14:cNvPr>
-              <p14:cNvContentPartPr/>
-              <p14:nvPr/>
-            </p14:nvContentPartPr>
-            <p14:xfrm>
-              <a:off x="9752427" y="1326547"/>
-              <a:ext cx="155160" cy="643320"/>
-            </p14:xfrm>
-          </p:contentPart>
-        </mc:Choice>
-        <mc:Fallback>
-          <p:pic>
-            <p:nvPicPr>
-              <p:cNvPr id="8" name="Ink 7">
-                <a:extLst>
-                  <a:ext uri="{FF2B5EF4-FFF2-40B4-BE49-F238E27FC236}">
-                    <a16:creationId xmlns:a16="http://schemas.microsoft.com/office/drawing/2014/main" id="{EAC4F8C9-FEFD-AFD6-C845-D7C2A3752158}"/>
-                  </a:ext>
-                </a:extLst>
-              </p:cNvPr>
-              <p:cNvPicPr/>
-              <p:nvPr/>
-            </p:nvPicPr>
-            <p:blipFill>
-              <a:blip r:embed="rId8"/>
-              <a:stretch>
-                <a:fillRect/>
-              </a:stretch>
-            </p:blipFill>
-            <p:spPr>
-              <a:xfrm>
-                <a:off x="9698427" y="1218907"/>
-                <a:ext cx="262800" cy="858960"/>
-              </a:xfrm>
-              <a:prstGeom prst="rect">
-                <a:avLst/>
-              </a:prstGeom>
-            </p:spPr>
-          </p:pic>
-        </mc:Fallback>
-      </mc:AlternateContent>
-      <mc:AlternateContent xmlns:mc="http://schemas.openxmlformats.org/markup-compatibility/2006">
-        <mc:Choice xmlns:p14="http://schemas.microsoft.com/office/powerpoint/2010/main" Requires="p14">
-          <p:contentPart p14:bwMode="auto" r:id="rId9">
-            <p14:nvContentPartPr>
-              <p14:cNvPr id="9" name="Ink 8">
-                <a:extLst>
-                  <a:ext uri="{FF2B5EF4-FFF2-40B4-BE49-F238E27FC236}">
-                    <a16:creationId xmlns:a16="http://schemas.microsoft.com/office/drawing/2014/main" id="{B21B89B6-C535-60A0-B284-8F2873AF2FE9}"/>
-                  </a:ext>
-                </a:extLst>
-              </p14:cNvPr>
-              <p14:cNvContentPartPr/>
-              <p14:nvPr/>
-            </p14:nvContentPartPr>
-            <p14:xfrm>
-              <a:off x="10608507" y="1641187"/>
-              <a:ext cx="222840" cy="366480"/>
-            </p14:xfrm>
-          </p:contentPart>
-        </mc:Choice>
-        <mc:Fallback>
-          <p:pic>
-            <p:nvPicPr>
-              <p:cNvPr id="9" name="Ink 8">
-                <a:extLst>
-                  <a:ext uri="{FF2B5EF4-FFF2-40B4-BE49-F238E27FC236}">
-                    <a16:creationId xmlns:a16="http://schemas.microsoft.com/office/drawing/2014/main" id="{B21B89B6-C535-60A0-B284-8F2873AF2FE9}"/>
-                  </a:ext>
-                </a:extLst>
-              </p:cNvPr>
-              <p:cNvPicPr/>
-              <p:nvPr/>
-            </p:nvPicPr>
-            <p:blipFill>
-              <a:blip r:embed="rId10"/>
-              <a:stretch>
-                <a:fillRect/>
-              </a:stretch>
-            </p:blipFill>
-            <p:spPr>
-              <a:xfrm>
-                <a:off x="10554507" y="1533547"/>
-                <a:ext cx="330480" cy="582120"/>
-              </a:xfrm>
-              <a:prstGeom prst="rect">
-                <a:avLst/>
-              </a:prstGeom>
-            </p:spPr>
-          </p:pic>
-        </mc:Fallback>
-      </mc:AlternateContent>
-      <mc:AlternateContent xmlns:mc="http://schemas.openxmlformats.org/markup-compatibility/2006">
-        <mc:Choice xmlns:p14="http://schemas.microsoft.com/office/powerpoint/2010/main" Requires="p14">
-          <p:contentPart p14:bwMode="auto" r:id="rId11">
-            <p14:nvContentPartPr>
-              <p14:cNvPr id="10" name="Ink 9">
-                <a:extLst>
-                  <a:ext uri="{FF2B5EF4-FFF2-40B4-BE49-F238E27FC236}">
-                    <a16:creationId xmlns:a16="http://schemas.microsoft.com/office/drawing/2014/main" id="{8F2962C6-787F-52CB-EC06-01436327D139}"/>
-                  </a:ext>
-                </a:extLst>
-              </p14:cNvPr>
-              <p14:cNvContentPartPr/>
-              <p14:nvPr/>
-            </p14:nvContentPartPr>
-            <p14:xfrm>
-              <a:off x="9282987" y="2060227"/>
-              <a:ext cx="259560" cy="287640"/>
-            </p14:xfrm>
-          </p:contentPart>
-        </mc:Choice>
-        <mc:Fallback>
-          <p:pic>
-            <p:nvPicPr>
-              <p:cNvPr id="10" name="Ink 9">
-                <a:extLst>
-                  <a:ext uri="{FF2B5EF4-FFF2-40B4-BE49-F238E27FC236}">
-                    <a16:creationId xmlns:a16="http://schemas.microsoft.com/office/drawing/2014/main" id="{8F2962C6-787F-52CB-EC06-01436327D139}"/>
-                  </a:ext>
-                </a:extLst>
-              </p:cNvPr>
-              <p:cNvPicPr/>
-              <p:nvPr/>
-            </p:nvPicPr>
-            <p:blipFill>
-              <a:blip r:embed="rId12"/>
-              <a:stretch>
-                <a:fillRect/>
-              </a:stretch>
-            </p:blipFill>
-            <p:spPr>
-              <a:xfrm>
-                <a:off x="9229347" y="1952227"/>
-                <a:ext cx="367200" cy="503280"/>
-              </a:xfrm>
-              <a:prstGeom prst="rect">
-                <a:avLst/>
-              </a:prstGeom>
-            </p:spPr>
-          </p:pic>
-        </mc:Fallback>
-      </mc:AlternateContent>
-    </p:spTree>
-    <p:extLst>
-      <p:ext uri="{BB962C8B-B14F-4D97-AF65-F5344CB8AC3E}">
-        <p14:creationId xmlns:p14="http://schemas.microsoft.com/office/powerpoint/2010/main" val="1148314497"/>
       </p:ext>
     </p:extLst>
   </p:cSld>
